--- a/docs/wandmaker_新松机器人.pptx
+++ b/docs/wandmaker_新松机器人.pptx
@@ -5,20 +5,24 @@
     <p:sldMasterId id="2147483661" r:id="rId1"/>
   </p:sldMasterIdLst>
   <p:notesMasterIdLst>
-    <p:notesMasterId r:id="rId13"/>
+    <p:notesMasterId r:id="rId17"/>
   </p:notesMasterIdLst>
   <p:sldIdLst>
     <p:sldId id="400" r:id="rId2"/>
     <p:sldId id="430" r:id="rId3"/>
     <p:sldId id="429" r:id="rId4"/>
     <p:sldId id="439" r:id="rId5"/>
-    <p:sldId id="442" r:id="rId6"/>
-    <p:sldId id="443" r:id="rId7"/>
-    <p:sldId id="444" r:id="rId8"/>
-    <p:sldId id="440" r:id="rId9"/>
-    <p:sldId id="441" r:id="rId10"/>
-    <p:sldId id="431" r:id="rId11"/>
-    <p:sldId id="432" r:id="rId12"/>
+    <p:sldId id="445" r:id="rId6"/>
+    <p:sldId id="447" r:id="rId7"/>
+    <p:sldId id="448" r:id="rId8"/>
+    <p:sldId id="446" r:id="rId9"/>
+    <p:sldId id="442" r:id="rId10"/>
+    <p:sldId id="443" r:id="rId11"/>
+    <p:sldId id="444" r:id="rId12"/>
+    <p:sldId id="440" r:id="rId13"/>
+    <p:sldId id="441" r:id="rId14"/>
+    <p:sldId id="431" r:id="rId15"/>
+    <p:sldId id="432" r:id="rId16"/>
   </p:sldIdLst>
   <p:sldSz cx="9144000" cy="5143500" type="screen16x9"/>
   <p:notesSz cx="6858000" cy="9144000"/>
@@ -119,7 +123,7 @@
   </p:defaultTextStyle>
   <p:extLst>
     <p:ext uri="{EFAFB233-063F-42B5-8137-9DF3F51BA10A}">
-      <p15:sldGuideLst xmlns="" xmlns:p15="http://schemas.microsoft.com/office/powerpoint/2012/main">
+      <p15:sldGuideLst xmlns:p15="http://schemas.microsoft.com/office/powerpoint/2012/main" xmlns="">
         <p15:guide id="1" orient="horz" pos="2160">
           <p15:clr>
             <a:srgbClr val="A4A3A4"/>
@@ -3806,6 +3810,338 @@
           <a:bodyPr/>
           <a:lstStyle/>
           <a:p>
+            <a:endParaRPr lang="zh-CN" altLang="en-US"/>
+          </a:p>
+        </p:txBody>
+      </p:sp>
+      <p:pic>
+        <p:nvPicPr>
+          <p:cNvPr id="2050" name="Picture 2"/>
+          <p:cNvPicPr>
+            <a:picLocks noChangeAspect="1" noChangeArrowheads="1"/>
+          </p:cNvPicPr>
+          <p:nvPr/>
+        </p:nvPicPr>
+        <p:blipFill>
+          <a:blip r:embed="rId2">
+            <a:extLst>
+              <a:ext uri="{28A0092B-C50C-407E-A947-70E740481C1C}">
+                <a14:useLocalDpi xmlns:a14="http://schemas.microsoft.com/office/drawing/2010/main" val="0"/>
+              </a:ext>
+            </a:extLst>
+          </a:blip>
+          <a:srcRect/>
+          <a:stretch>
+            <a:fillRect/>
+          </a:stretch>
+        </p:blipFill>
+        <p:spPr bwMode="auto">
+          <a:xfrm>
+            <a:off x="4103948" y="1203598"/>
+            <a:ext cx="4810125" cy="3286125"/>
+          </a:xfrm>
+          <a:prstGeom prst="rect">
+            <a:avLst/>
+          </a:prstGeom>
+          <a:noFill/>
+          <a:ln>
+            <a:noFill/>
+          </a:ln>
+          <a:effectLst/>
+          <a:extLst>
+            <a:ext uri="{909E8E84-426E-40DD-AFC4-6F175D3DCCD1}">
+              <a14:hiddenFill xmlns:a14="http://schemas.microsoft.com/office/drawing/2010/main">
+                <a:solidFill>
+                  <a:schemeClr val="accent1"/>
+                </a:solidFill>
+              </a14:hiddenFill>
+            </a:ext>
+            <a:ext uri="{91240B29-F687-4F45-9708-019B960494DF}">
+              <a14:hiddenLine xmlns:a14="http://schemas.microsoft.com/office/drawing/2010/main" w="9525">
+                <a:solidFill>
+                  <a:schemeClr val="tx1"/>
+                </a:solidFill>
+                <a:miter lim="800000"/>
+                <a:headEnd/>
+                <a:tailEnd/>
+              </a14:hiddenLine>
+            </a:ext>
+            <a:ext uri="{AF507438-7753-43E0-B8FC-AC1667EBCBE1}">
+              <a14:hiddenEffects xmlns:a14="http://schemas.microsoft.com/office/drawing/2010/main">
+                <a:effectLst>
+                  <a:outerShdw dist="35921" dir="2700000" algn="ctr" rotWithShape="0">
+                    <a:schemeClr val="bg2"/>
+                  </a:outerShdw>
+                </a:effectLst>
+              </a14:hiddenEffects>
+            </a:ext>
+          </a:extLst>
+        </p:spPr>
+      </p:pic>
+      <p:pic>
+        <p:nvPicPr>
+          <p:cNvPr id="2051" name="Picture 3"/>
+          <p:cNvPicPr>
+            <a:picLocks noChangeAspect="1" noChangeArrowheads="1"/>
+          </p:cNvPicPr>
+          <p:nvPr/>
+        </p:nvPicPr>
+        <p:blipFill>
+          <a:blip r:embed="rId3">
+            <a:extLst>
+              <a:ext uri="{28A0092B-C50C-407E-A947-70E740481C1C}">
+                <a14:useLocalDpi xmlns:a14="http://schemas.microsoft.com/office/drawing/2010/main" val="0"/>
+              </a:ext>
+            </a:extLst>
+          </a:blip>
+          <a:srcRect/>
+          <a:stretch>
+            <a:fillRect/>
+          </a:stretch>
+        </p:blipFill>
+        <p:spPr bwMode="auto">
+          <a:xfrm>
+            <a:off x="422331" y="915566"/>
+            <a:ext cx="2571750" cy="1257300"/>
+          </a:xfrm>
+          <a:prstGeom prst="rect">
+            <a:avLst/>
+          </a:prstGeom>
+          <a:noFill/>
+          <a:ln>
+            <a:noFill/>
+          </a:ln>
+          <a:effectLst/>
+          <a:extLst>
+            <a:ext uri="{909E8E84-426E-40DD-AFC4-6F175D3DCCD1}">
+              <a14:hiddenFill xmlns:a14="http://schemas.microsoft.com/office/drawing/2010/main">
+                <a:solidFill>
+                  <a:schemeClr val="accent1"/>
+                </a:solidFill>
+              </a14:hiddenFill>
+            </a:ext>
+            <a:ext uri="{91240B29-F687-4F45-9708-019B960494DF}">
+              <a14:hiddenLine xmlns:a14="http://schemas.microsoft.com/office/drawing/2010/main" w="9525">
+                <a:solidFill>
+                  <a:schemeClr val="tx1"/>
+                </a:solidFill>
+                <a:miter lim="800000"/>
+                <a:headEnd/>
+                <a:tailEnd/>
+              </a14:hiddenLine>
+            </a:ext>
+            <a:ext uri="{AF507438-7753-43E0-B8FC-AC1667EBCBE1}">
+              <a14:hiddenEffects xmlns:a14="http://schemas.microsoft.com/office/drawing/2010/main">
+                <a:effectLst>
+                  <a:outerShdw dist="35921" dir="2700000" algn="ctr" rotWithShape="0">
+                    <a:schemeClr val="bg2"/>
+                  </a:outerShdw>
+                </a:effectLst>
+              </a14:hiddenEffects>
+            </a:ext>
+          </a:extLst>
+        </p:spPr>
+      </p:pic>
+    </p:spTree>
+    <p:extLst>
+      <p:ext uri="{BB962C8B-B14F-4D97-AF65-F5344CB8AC3E}">
+        <p14:creationId xmlns:p14="http://schemas.microsoft.com/office/powerpoint/2010/main" val="1949438437"/>
+      </p:ext>
+    </p:extLst>
+  </p:cSld>
+  <p:clrMapOvr>
+    <a:masterClrMapping/>
+  </p:clrMapOvr>
+</p:sld>
+</file>
+
+<file path=ppt/slides/slide11.xml><?xml version="1.0" encoding="utf-8"?>
+<p:sld xmlns:a="http://schemas.openxmlformats.org/drawingml/2006/main" xmlns:r="http://schemas.openxmlformats.org/officeDocument/2006/relationships" xmlns:p="http://schemas.openxmlformats.org/presentationml/2006/main">
+  <p:cSld>
+    <p:spTree>
+      <p:nvGrpSpPr>
+        <p:cNvPr id="1" name=""/>
+        <p:cNvGrpSpPr/>
+        <p:nvPr/>
+      </p:nvGrpSpPr>
+      <p:grpSpPr>
+        <a:xfrm>
+          <a:off x="0" y="0"/>
+          <a:ext cx="0" cy="0"/>
+          <a:chOff x="0" y="0"/>
+          <a:chExt cx="0" cy="0"/>
+        </a:xfrm>
+      </p:grpSpPr>
+      <p:sp>
+        <p:nvSpPr>
+          <p:cNvPr id="2" name="标题 1"/>
+          <p:cNvSpPr>
+            <a:spLocks noGrp="1"/>
+          </p:cNvSpPr>
+          <p:nvPr>
+            <p:ph type="title"/>
+          </p:nvPr>
+        </p:nvSpPr>
+        <p:spPr/>
+        <p:txBody>
+          <a:bodyPr/>
+          <a:lstStyle/>
+          <a:p>
+            <a:endParaRPr lang="zh-CN" altLang="en-US"/>
+          </a:p>
+        </p:txBody>
+      </p:sp>
+    </p:spTree>
+    <p:extLst>
+      <p:ext uri="{BB962C8B-B14F-4D97-AF65-F5344CB8AC3E}">
+        <p14:creationId xmlns:p14="http://schemas.microsoft.com/office/powerpoint/2010/main" val="2270902624"/>
+      </p:ext>
+    </p:extLst>
+  </p:cSld>
+  <p:clrMapOvr>
+    <a:masterClrMapping/>
+  </p:clrMapOvr>
+</p:sld>
+</file>
+
+<file path=ppt/slides/slide12.xml><?xml version="1.0" encoding="utf-8"?>
+<p:sld xmlns:a="http://schemas.openxmlformats.org/drawingml/2006/main" xmlns:r="http://schemas.openxmlformats.org/officeDocument/2006/relationships" xmlns:p="http://schemas.openxmlformats.org/presentationml/2006/main">
+  <p:cSld>
+    <p:spTree>
+      <p:nvGrpSpPr>
+        <p:cNvPr id="1" name=""/>
+        <p:cNvGrpSpPr/>
+        <p:nvPr/>
+      </p:nvGrpSpPr>
+      <p:grpSpPr>
+        <a:xfrm>
+          <a:off x="0" y="0"/>
+          <a:ext cx="0" cy="0"/>
+          <a:chOff x="0" y="0"/>
+          <a:chExt cx="0" cy="0"/>
+        </a:xfrm>
+      </p:grpSpPr>
+      <p:sp>
+        <p:nvSpPr>
+          <p:cNvPr id="2" name="标题 1"/>
+          <p:cNvSpPr>
+            <a:spLocks noGrp="1"/>
+          </p:cNvSpPr>
+          <p:nvPr>
+            <p:ph type="title"/>
+          </p:nvPr>
+        </p:nvSpPr>
+        <p:spPr/>
+        <p:txBody>
+          <a:bodyPr/>
+          <a:lstStyle/>
+          <a:p>
+            <a:r>
+              <a:rPr lang="en-US" altLang="zh-CN" dirty="0" smtClean="0"/>
+              <a:t>Physics Modeling</a:t>
+            </a:r>
+            <a:endParaRPr lang="zh-CN" altLang="en-US" dirty="0"/>
+          </a:p>
+        </p:txBody>
+      </p:sp>
+    </p:spTree>
+    <p:extLst>
+      <p:ext uri="{BB962C8B-B14F-4D97-AF65-F5344CB8AC3E}">
+        <p14:creationId xmlns:p14="http://schemas.microsoft.com/office/powerpoint/2010/main" val="2330724567"/>
+      </p:ext>
+    </p:extLst>
+  </p:cSld>
+  <p:clrMapOvr>
+    <a:masterClrMapping/>
+  </p:clrMapOvr>
+</p:sld>
+</file>
+
+<file path=ppt/slides/slide13.xml><?xml version="1.0" encoding="utf-8"?>
+<p:sld xmlns:a="http://schemas.openxmlformats.org/drawingml/2006/main" xmlns:r="http://schemas.openxmlformats.org/officeDocument/2006/relationships" xmlns:p="http://schemas.openxmlformats.org/presentationml/2006/main">
+  <p:cSld>
+    <p:spTree>
+      <p:nvGrpSpPr>
+        <p:cNvPr id="1" name=""/>
+        <p:cNvGrpSpPr/>
+        <p:nvPr/>
+      </p:nvGrpSpPr>
+      <p:grpSpPr>
+        <a:xfrm>
+          <a:off x="0" y="0"/>
+          <a:ext cx="0" cy="0"/>
+          <a:chOff x="0" y="0"/>
+          <a:chExt cx="0" cy="0"/>
+        </a:xfrm>
+      </p:grpSpPr>
+      <p:sp>
+        <p:nvSpPr>
+          <p:cNvPr id="2" name="标题 1"/>
+          <p:cNvSpPr>
+            <a:spLocks noGrp="1"/>
+          </p:cNvSpPr>
+          <p:nvPr>
+            <p:ph type="title"/>
+          </p:nvPr>
+        </p:nvSpPr>
+        <p:spPr/>
+        <p:txBody>
+          <a:bodyPr/>
+          <a:lstStyle/>
+          <a:p>
+            <a:r>
+              <a:rPr lang="en-US" altLang="zh-CN" dirty="0" smtClean="0"/>
+              <a:t>Deep learning</a:t>
+            </a:r>
+            <a:endParaRPr lang="zh-CN" altLang="en-US" dirty="0"/>
+          </a:p>
+        </p:txBody>
+      </p:sp>
+    </p:spTree>
+    <p:extLst>
+      <p:ext uri="{BB962C8B-B14F-4D97-AF65-F5344CB8AC3E}">
+        <p14:creationId xmlns:p14="http://schemas.microsoft.com/office/powerpoint/2010/main" val="1736648137"/>
+      </p:ext>
+    </p:extLst>
+  </p:cSld>
+  <p:clrMapOvr>
+    <a:masterClrMapping/>
+  </p:clrMapOvr>
+</p:sld>
+</file>
+
+<file path=ppt/slides/slide14.xml><?xml version="1.0" encoding="utf-8"?>
+<p:sld xmlns:a="http://schemas.openxmlformats.org/drawingml/2006/main" xmlns:r="http://schemas.openxmlformats.org/officeDocument/2006/relationships" xmlns:p="http://schemas.openxmlformats.org/presentationml/2006/main">
+  <p:cSld>
+    <p:spTree>
+      <p:nvGrpSpPr>
+        <p:cNvPr id="1" name=""/>
+        <p:cNvGrpSpPr/>
+        <p:nvPr/>
+      </p:nvGrpSpPr>
+      <p:grpSpPr>
+        <a:xfrm>
+          <a:off x="0" y="0"/>
+          <a:ext cx="0" cy="0"/>
+          <a:chOff x="0" y="0"/>
+          <a:chExt cx="0" cy="0"/>
+        </a:xfrm>
+      </p:grpSpPr>
+      <p:sp>
+        <p:nvSpPr>
+          <p:cNvPr id="2" name="标题 1"/>
+          <p:cNvSpPr>
+            <a:spLocks noGrp="1"/>
+          </p:cNvSpPr>
+          <p:nvPr>
+            <p:ph type="title"/>
+          </p:nvPr>
+        </p:nvSpPr>
+        <p:spPr/>
+        <p:txBody>
+          <a:bodyPr/>
+          <a:lstStyle/>
+          <a:p>
             <a:r>
               <a:rPr lang="zh-CN" altLang="en-US" dirty="0" smtClean="0"/>
               <a:t>总结</a:t>
@@ -3890,7 +4226,7 @@
 </p:sld>
 </file>
 
-<file path=ppt/slides/slide11.xml><?xml version="1.0" encoding="utf-8"?>
+<file path=ppt/slides/slide15.xml><?xml version="1.0" encoding="utf-8"?>
 <p:sld xmlns:a="http://schemas.openxmlformats.org/drawingml/2006/main" xmlns:r="http://schemas.openxmlformats.org/officeDocument/2006/relationships" xmlns:p="http://schemas.openxmlformats.org/presentationml/2006/main">
   <p:cSld>
     <p:spTree>
@@ -6648,70 +6984,6 @@
           </a:p>
         </p:txBody>
       </p:sp>
-      <p:pic>
-        <p:nvPicPr>
-          <p:cNvPr id="1026" name="Picture 2"/>
-          <p:cNvPicPr>
-            <a:picLocks noChangeAspect="1" noChangeArrowheads="1"/>
-          </p:cNvPicPr>
-          <p:nvPr/>
-        </p:nvPicPr>
-        <p:blipFill>
-          <a:blip r:embed="rId2">
-            <a:extLst>
-              <a:ext uri="{28A0092B-C50C-407E-A947-70E740481C1C}">
-                <a14:useLocalDpi xmlns:a14="http://schemas.microsoft.com/office/drawing/2010/main" val="0"/>
-              </a:ext>
-            </a:extLst>
-          </a:blip>
-          <a:srcRect/>
-          <a:stretch>
-            <a:fillRect/>
-          </a:stretch>
-        </p:blipFill>
-        <p:spPr bwMode="auto">
-          <a:xfrm>
-            <a:off x="755576" y="1707654"/>
-            <a:ext cx="7355202" cy="1005059"/>
-          </a:xfrm>
-          <a:prstGeom prst="rect">
-            <a:avLst/>
-          </a:prstGeom>
-          <a:noFill/>
-          <a:ln>
-            <a:noFill/>
-          </a:ln>
-          <a:effectLst/>
-          <a:extLst>
-            <a:ext uri="{909E8E84-426E-40DD-AFC4-6F175D3DCCD1}">
-              <a14:hiddenFill xmlns:a14="http://schemas.microsoft.com/office/drawing/2010/main">
-                <a:solidFill>
-                  <a:schemeClr val="accent1"/>
-                </a:solidFill>
-              </a14:hiddenFill>
-            </a:ext>
-            <a:ext uri="{91240B29-F687-4F45-9708-019B960494DF}">
-              <a14:hiddenLine xmlns:a14="http://schemas.microsoft.com/office/drawing/2010/main" w="9525">
-                <a:solidFill>
-                  <a:schemeClr val="tx1"/>
-                </a:solidFill>
-                <a:miter lim="800000"/>
-                <a:headEnd/>
-                <a:tailEnd/>
-              </a14:hiddenLine>
-            </a:ext>
-            <a:ext uri="{AF507438-7753-43E0-B8FC-AC1667EBCBE1}">
-              <a14:hiddenEffects xmlns:a14="http://schemas.microsoft.com/office/drawing/2010/main">
-                <a:effectLst>
-                  <a:outerShdw dist="35921" dir="2700000" algn="ctr" rotWithShape="0">
-                    <a:schemeClr val="bg2"/>
-                  </a:outerShdw>
-                </a:effectLst>
-              </a14:hiddenEffects>
-            </a:ext>
-          </a:extLst>
-        </p:spPr>
-      </p:pic>
       <p:sp>
         <p:nvSpPr>
           <p:cNvPr id="4" name="矩形 3"/>
@@ -6809,7 +7081,7 @@
           <p:nvPr/>
         </p:nvPicPr>
         <p:blipFill>
-          <a:blip r:embed="rId3">
+          <a:blip r:embed="rId2">
             <a:extLst>
               <a:ext uri="{28A0092B-C50C-407E-A947-70E740481C1C}">
                 <a14:useLocalDpi xmlns:a14="http://schemas.microsoft.com/office/drawing/2010/main" val="0"/>
@@ -6873,7 +7145,7 @@
           <p:nvPr/>
         </p:nvPicPr>
         <p:blipFill>
-          <a:blip r:embed="rId4">
+          <a:blip r:embed="rId3">
             <a:extLst>
               <a:ext uri="{28A0092B-C50C-407E-A947-70E740481C1C}">
                 <a14:useLocalDpi xmlns:a14="http://schemas.microsoft.com/office/drawing/2010/main" val="0"/>
@@ -7005,6 +7277,701 @@
 </file>
 
 <file path=ppt/slides/slide5.xml><?xml version="1.0" encoding="utf-8"?>
+<p:sld xmlns:a="http://schemas.openxmlformats.org/drawingml/2006/main" xmlns:r="http://schemas.openxmlformats.org/officeDocument/2006/relationships" xmlns:p="http://schemas.openxmlformats.org/presentationml/2006/main">
+  <p:cSld>
+    <p:spTree>
+      <p:nvGrpSpPr>
+        <p:cNvPr id="1" name=""/>
+        <p:cNvGrpSpPr/>
+        <p:nvPr/>
+      </p:nvGrpSpPr>
+      <p:grpSpPr>
+        <a:xfrm>
+          <a:off x="0" y="0"/>
+          <a:ext cx="0" cy="0"/>
+          <a:chOff x="0" y="0"/>
+          <a:chExt cx="0" cy="0"/>
+        </a:xfrm>
+      </p:grpSpPr>
+      <p:sp>
+        <p:nvSpPr>
+          <p:cNvPr id="2" name="标题 1"/>
+          <p:cNvSpPr>
+            <a:spLocks noGrp="1"/>
+          </p:cNvSpPr>
+          <p:nvPr>
+            <p:ph type="title"/>
+          </p:nvPr>
+        </p:nvSpPr>
+        <p:spPr/>
+        <p:txBody>
+          <a:bodyPr/>
+          <a:lstStyle/>
+          <a:p>
+            <a:r>
+              <a:rPr lang="zh-CN" altLang="en-US" dirty="0" smtClean="0"/>
+              <a:t>隐状态模型</a:t>
+            </a:r>
+            <a:endParaRPr lang="zh-CN" altLang="en-US" dirty="0"/>
+          </a:p>
+        </p:txBody>
+      </p:sp>
+      <p:pic>
+        <p:nvPicPr>
+          <p:cNvPr id="1026" name="Picture 2"/>
+          <p:cNvPicPr>
+            <a:picLocks noChangeAspect="1" noChangeArrowheads="1"/>
+          </p:cNvPicPr>
+          <p:nvPr/>
+        </p:nvPicPr>
+        <p:blipFill>
+          <a:blip r:embed="rId2">
+            <a:extLst>
+              <a:ext uri="{28A0092B-C50C-407E-A947-70E740481C1C}">
+                <a14:useLocalDpi xmlns:a14="http://schemas.microsoft.com/office/drawing/2010/main" val="0"/>
+              </a:ext>
+            </a:extLst>
+          </a:blip>
+          <a:srcRect/>
+          <a:stretch>
+            <a:fillRect/>
+          </a:stretch>
+        </p:blipFill>
+        <p:spPr bwMode="auto">
+          <a:xfrm>
+            <a:off x="6638551" y="591530"/>
+            <a:ext cx="2192429" cy="2258405"/>
+          </a:xfrm>
+          <a:prstGeom prst="rect">
+            <a:avLst/>
+          </a:prstGeom>
+          <a:noFill/>
+          <a:ln>
+            <a:noFill/>
+          </a:ln>
+          <a:effectLst/>
+          <a:extLst>
+            <a:ext uri="{909E8E84-426E-40DD-AFC4-6F175D3DCCD1}">
+              <a14:hiddenFill xmlns:a14="http://schemas.microsoft.com/office/drawing/2010/main">
+                <a:solidFill>
+                  <a:schemeClr val="accent1"/>
+                </a:solidFill>
+              </a14:hiddenFill>
+            </a:ext>
+            <a:ext uri="{91240B29-F687-4F45-9708-019B960494DF}">
+              <a14:hiddenLine xmlns:a14="http://schemas.microsoft.com/office/drawing/2010/main" w="9525">
+                <a:solidFill>
+                  <a:schemeClr val="tx1"/>
+                </a:solidFill>
+                <a:miter lim="800000"/>
+                <a:headEnd/>
+                <a:tailEnd/>
+              </a14:hiddenLine>
+            </a:ext>
+            <a:ext uri="{AF507438-7753-43E0-B8FC-AC1667EBCBE1}">
+              <a14:hiddenEffects xmlns:a14="http://schemas.microsoft.com/office/drawing/2010/main">
+                <a:effectLst>
+                  <a:outerShdw dist="35921" dir="2700000" algn="ctr" rotWithShape="0">
+                    <a:schemeClr val="bg2"/>
+                  </a:outerShdw>
+                </a:effectLst>
+              </a14:hiddenEffects>
+            </a:ext>
+          </a:extLst>
+        </p:spPr>
+      </p:pic>
+      <p:pic>
+        <p:nvPicPr>
+          <p:cNvPr id="1027" name="Picture 3"/>
+          <p:cNvPicPr>
+            <a:picLocks noChangeAspect="1" noChangeArrowheads="1"/>
+          </p:cNvPicPr>
+          <p:nvPr/>
+        </p:nvPicPr>
+        <p:blipFill>
+          <a:blip r:embed="rId3">
+            <a:extLst>
+              <a:ext uri="{28A0092B-C50C-407E-A947-70E740481C1C}">
+                <a14:useLocalDpi xmlns:a14="http://schemas.microsoft.com/office/drawing/2010/main" val="0"/>
+              </a:ext>
+            </a:extLst>
+          </a:blip>
+          <a:srcRect/>
+          <a:stretch>
+            <a:fillRect/>
+          </a:stretch>
+        </p:blipFill>
+        <p:spPr bwMode="auto">
+          <a:xfrm>
+            <a:off x="0" y="1987492"/>
+            <a:ext cx="7124732" cy="1744973"/>
+          </a:xfrm>
+          <a:prstGeom prst="rect">
+            <a:avLst/>
+          </a:prstGeom>
+          <a:noFill/>
+          <a:ln>
+            <a:noFill/>
+          </a:ln>
+          <a:effectLst/>
+          <a:extLst>
+            <a:ext uri="{909E8E84-426E-40DD-AFC4-6F175D3DCCD1}">
+              <a14:hiddenFill xmlns:a14="http://schemas.microsoft.com/office/drawing/2010/main">
+                <a:solidFill>
+                  <a:schemeClr val="accent1"/>
+                </a:solidFill>
+              </a14:hiddenFill>
+            </a:ext>
+            <a:ext uri="{91240B29-F687-4F45-9708-019B960494DF}">
+              <a14:hiddenLine xmlns:a14="http://schemas.microsoft.com/office/drawing/2010/main" w="9525">
+                <a:solidFill>
+                  <a:schemeClr val="tx1"/>
+                </a:solidFill>
+                <a:miter lim="800000"/>
+                <a:headEnd/>
+                <a:tailEnd/>
+              </a14:hiddenLine>
+            </a:ext>
+            <a:ext uri="{AF507438-7753-43E0-B8FC-AC1667EBCBE1}">
+              <a14:hiddenEffects xmlns:a14="http://schemas.microsoft.com/office/drawing/2010/main">
+                <a:effectLst>
+                  <a:outerShdw dist="35921" dir="2700000" algn="ctr" rotWithShape="0">
+                    <a:schemeClr val="bg2"/>
+                  </a:outerShdw>
+                </a:effectLst>
+              </a14:hiddenEffects>
+            </a:ext>
+          </a:extLst>
+        </p:spPr>
+      </p:pic>
+      <p:pic>
+        <p:nvPicPr>
+          <p:cNvPr id="1028" name="Picture 4"/>
+          <p:cNvPicPr>
+            <a:picLocks noChangeAspect="1" noChangeArrowheads="1"/>
+          </p:cNvPicPr>
+          <p:nvPr/>
+        </p:nvPicPr>
+        <p:blipFill>
+          <a:blip r:embed="rId4">
+            <a:extLst>
+              <a:ext uri="{28A0092B-C50C-407E-A947-70E740481C1C}">
+                <a14:useLocalDpi xmlns:a14="http://schemas.microsoft.com/office/drawing/2010/main" val="0"/>
+              </a:ext>
+            </a:extLst>
+          </a:blip>
+          <a:srcRect/>
+          <a:stretch>
+            <a:fillRect/>
+          </a:stretch>
+        </p:blipFill>
+        <p:spPr bwMode="auto">
+          <a:xfrm>
+            <a:off x="867382" y="3671846"/>
+            <a:ext cx="3562350" cy="1409700"/>
+          </a:xfrm>
+          <a:prstGeom prst="rect">
+            <a:avLst/>
+          </a:prstGeom>
+          <a:noFill/>
+          <a:ln>
+            <a:noFill/>
+          </a:ln>
+          <a:effectLst/>
+          <a:extLst>
+            <a:ext uri="{909E8E84-426E-40DD-AFC4-6F175D3DCCD1}">
+              <a14:hiddenFill xmlns:a14="http://schemas.microsoft.com/office/drawing/2010/main">
+                <a:solidFill>
+                  <a:schemeClr val="accent1"/>
+                </a:solidFill>
+              </a14:hiddenFill>
+            </a:ext>
+            <a:ext uri="{91240B29-F687-4F45-9708-019B960494DF}">
+              <a14:hiddenLine xmlns:a14="http://schemas.microsoft.com/office/drawing/2010/main" w="9525">
+                <a:solidFill>
+                  <a:schemeClr val="tx1"/>
+                </a:solidFill>
+                <a:miter lim="800000"/>
+                <a:headEnd/>
+                <a:tailEnd/>
+              </a14:hiddenLine>
+            </a:ext>
+            <a:ext uri="{AF507438-7753-43E0-B8FC-AC1667EBCBE1}">
+              <a14:hiddenEffects xmlns:a14="http://schemas.microsoft.com/office/drawing/2010/main">
+                <a:effectLst>
+                  <a:outerShdw dist="35921" dir="2700000" algn="ctr" rotWithShape="0">
+                    <a:schemeClr val="bg2"/>
+                  </a:outerShdw>
+                </a:effectLst>
+              </a14:hiddenEffects>
+            </a:ext>
+          </a:extLst>
+        </p:spPr>
+      </p:pic>
+    </p:spTree>
+    <p:extLst>
+      <p:ext uri="{BB962C8B-B14F-4D97-AF65-F5344CB8AC3E}">
+        <p14:creationId xmlns:p14="http://schemas.microsoft.com/office/powerpoint/2010/main" val="623931026"/>
+      </p:ext>
+    </p:extLst>
+  </p:cSld>
+  <p:clrMapOvr>
+    <a:masterClrMapping/>
+  </p:clrMapOvr>
+</p:sld>
+</file>
+
+<file path=ppt/slides/slide6.xml><?xml version="1.0" encoding="utf-8"?>
+<p:sld xmlns:a="http://schemas.openxmlformats.org/drawingml/2006/main" xmlns:r="http://schemas.openxmlformats.org/officeDocument/2006/relationships" xmlns:p="http://schemas.openxmlformats.org/presentationml/2006/main">
+  <p:cSld>
+    <p:spTree>
+      <p:nvGrpSpPr>
+        <p:cNvPr id="1" name=""/>
+        <p:cNvGrpSpPr/>
+        <p:nvPr/>
+      </p:nvGrpSpPr>
+      <p:grpSpPr>
+        <a:xfrm>
+          <a:off x="0" y="0"/>
+          <a:ext cx="0" cy="0"/>
+          <a:chOff x="0" y="0"/>
+          <a:chExt cx="0" cy="0"/>
+        </a:xfrm>
+      </p:grpSpPr>
+      <p:sp>
+        <p:nvSpPr>
+          <p:cNvPr id="2" name="标题 1"/>
+          <p:cNvSpPr>
+            <a:spLocks noGrp="1"/>
+          </p:cNvSpPr>
+          <p:nvPr>
+            <p:ph type="title"/>
+          </p:nvPr>
+        </p:nvSpPr>
+        <p:spPr/>
+        <p:txBody>
+          <a:bodyPr/>
+          <a:lstStyle/>
+          <a:p>
+            <a:endParaRPr lang="zh-CN" altLang="en-US"/>
+          </a:p>
+        </p:txBody>
+      </p:sp>
+      <p:pic>
+        <p:nvPicPr>
+          <p:cNvPr id="3075" name="Picture 3"/>
+          <p:cNvPicPr>
+            <a:picLocks noChangeAspect="1" noChangeArrowheads="1"/>
+          </p:cNvPicPr>
+          <p:nvPr/>
+        </p:nvPicPr>
+        <p:blipFill>
+          <a:blip r:embed="rId2">
+            <a:extLst>
+              <a:ext uri="{28A0092B-C50C-407E-A947-70E740481C1C}">
+                <a14:useLocalDpi xmlns:a14="http://schemas.microsoft.com/office/drawing/2010/main" val="0"/>
+              </a:ext>
+            </a:extLst>
+          </a:blip>
+          <a:srcRect/>
+          <a:stretch>
+            <a:fillRect/>
+          </a:stretch>
+        </p:blipFill>
+        <p:spPr bwMode="auto">
+          <a:xfrm>
+            <a:off x="107504" y="807554"/>
+            <a:ext cx="4023776" cy="2196244"/>
+          </a:xfrm>
+          <a:prstGeom prst="rect">
+            <a:avLst/>
+          </a:prstGeom>
+          <a:noFill/>
+          <a:ln>
+            <a:noFill/>
+          </a:ln>
+          <a:effectLst/>
+          <a:extLst>
+            <a:ext uri="{909E8E84-426E-40DD-AFC4-6F175D3DCCD1}">
+              <a14:hiddenFill xmlns:a14="http://schemas.microsoft.com/office/drawing/2010/main">
+                <a:solidFill>
+                  <a:schemeClr val="accent1"/>
+                </a:solidFill>
+              </a14:hiddenFill>
+            </a:ext>
+            <a:ext uri="{91240B29-F687-4F45-9708-019B960494DF}">
+              <a14:hiddenLine xmlns:a14="http://schemas.microsoft.com/office/drawing/2010/main" w="9525">
+                <a:solidFill>
+                  <a:schemeClr val="tx1"/>
+                </a:solidFill>
+                <a:miter lim="800000"/>
+                <a:headEnd/>
+                <a:tailEnd/>
+              </a14:hiddenLine>
+            </a:ext>
+            <a:ext uri="{AF507438-7753-43E0-B8FC-AC1667EBCBE1}">
+              <a14:hiddenEffects xmlns:a14="http://schemas.microsoft.com/office/drawing/2010/main">
+                <a:effectLst>
+                  <a:outerShdw dist="35921" dir="2700000" algn="ctr" rotWithShape="0">
+                    <a:schemeClr val="bg2"/>
+                  </a:outerShdw>
+                </a:effectLst>
+              </a14:hiddenEffects>
+            </a:ext>
+          </a:extLst>
+        </p:spPr>
+      </p:pic>
+      <p:pic>
+        <p:nvPicPr>
+          <p:cNvPr id="3076" name="Picture 4"/>
+          <p:cNvPicPr>
+            <a:picLocks noChangeAspect="1" noChangeArrowheads="1"/>
+          </p:cNvPicPr>
+          <p:nvPr/>
+        </p:nvPicPr>
+        <p:blipFill>
+          <a:blip r:embed="rId3">
+            <a:extLst>
+              <a:ext uri="{28A0092B-C50C-407E-A947-70E740481C1C}">
+                <a14:useLocalDpi xmlns:a14="http://schemas.microsoft.com/office/drawing/2010/main" val="0"/>
+              </a:ext>
+            </a:extLst>
+          </a:blip>
+          <a:srcRect/>
+          <a:stretch>
+            <a:fillRect/>
+          </a:stretch>
+        </p:blipFill>
+        <p:spPr bwMode="auto">
+          <a:xfrm>
+            <a:off x="2314574" y="923925"/>
+            <a:ext cx="6829425" cy="4219575"/>
+          </a:xfrm>
+          <a:prstGeom prst="rect">
+            <a:avLst/>
+          </a:prstGeom>
+          <a:noFill/>
+          <a:ln>
+            <a:noFill/>
+          </a:ln>
+          <a:effectLst/>
+          <a:extLst>
+            <a:ext uri="{909E8E84-426E-40DD-AFC4-6F175D3DCCD1}">
+              <a14:hiddenFill xmlns:a14="http://schemas.microsoft.com/office/drawing/2010/main">
+                <a:solidFill>
+                  <a:schemeClr val="accent1"/>
+                </a:solidFill>
+              </a14:hiddenFill>
+            </a:ext>
+            <a:ext uri="{91240B29-F687-4F45-9708-019B960494DF}">
+              <a14:hiddenLine xmlns:a14="http://schemas.microsoft.com/office/drawing/2010/main" w="9525">
+                <a:solidFill>
+                  <a:schemeClr val="tx1"/>
+                </a:solidFill>
+                <a:miter lim="800000"/>
+                <a:headEnd/>
+                <a:tailEnd/>
+              </a14:hiddenLine>
+            </a:ext>
+            <a:ext uri="{AF507438-7753-43E0-B8FC-AC1667EBCBE1}">
+              <a14:hiddenEffects xmlns:a14="http://schemas.microsoft.com/office/drawing/2010/main">
+                <a:effectLst>
+                  <a:outerShdw dist="35921" dir="2700000" algn="ctr" rotWithShape="0">
+                    <a:schemeClr val="bg2"/>
+                  </a:outerShdw>
+                </a:effectLst>
+              </a14:hiddenEffects>
+            </a:ext>
+          </a:extLst>
+        </p:spPr>
+      </p:pic>
+    </p:spTree>
+    <p:extLst>
+      <p:ext uri="{BB962C8B-B14F-4D97-AF65-F5344CB8AC3E}">
+        <p14:creationId xmlns:p14="http://schemas.microsoft.com/office/powerpoint/2010/main" val="2716609990"/>
+      </p:ext>
+    </p:extLst>
+  </p:cSld>
+  <p:clrMapOvr>
+    <a:masterClrMapping/>
+  </p:clrMapOvr>
+</p:sld>
+</file>
+
+<file path=ppt/slides/slide7.xml><?xml version="1.0" encoding="utf-8"?>
+<p:sld xmlns:a="http://schemas.openxmlformats.org/drawingml/2006/main" xmlns:r="http://schemas.openxmlformats.org/officeDocument/2006/relationships" xmlns:p="http://schemas.openxmlformats.org/presentationml/2006/main">
+  <p:cSld>
+    <p:spTree>
+      <p:nvGrpSpPr>
+        <p:cNvPr id="1" name=""/>
+        <p:cNvGrpSpPr/>
+        <p:nvPr/>
+      </p:nvGrpSpPr>
+      <p:grpSpPr>
+        <a:xfrm>
+          <a:off x="0" y="0"/>
+          <a:ext cx="0" cy="0"/>
+          <a:chOff x="0" y="0"/>
+          <a:chExt cx="0" cy="0"/>
+        </a:xfrm>
+      </p:grpSpPr>
+      <p:sp>
+        <p:nvSpPr>
+          <p:cNvPr id="2" name="标题 1"/>
+          <p:cNvSpPr>
+            <a:spLocks noGrp="1"/>
+          </p:cNvSpPr>
+          <p:nvPr>
+            <p:ph type="title"/>
+          </p:nvPr>
+        </p:nvSpPr>
+        <p:spPr/>
+        <p:txBody>
+          <a:bodyPr/>
+          <a:lstStyle/>
+          <a:p>
+            <a:endParaRPr lang="zh-CN" altLang="en-US"/>
+          </a:p>
+        </p:txBody>
+      </p:sp>
+      <p:sp>
+        <p:nvSpPr>
+          <p:cNvPr id="4" name="TextBox 3"/>
+          <p:cNvSpPr txBox="1"/>
+          <p:nvPr/>
+        </p:nvSpPr>
+        <p:spPr>
+          <a:xfrm>
+            <a:off x="467544" y="987574"/>
+            <a:ext cx="8172908" cy="954107"/>
+          </a:xfrm>
+          <a:prstGeom prst="rect">
+            <a:avLst/>
+          </a:prstGeom>
+          <a:noFill/>
+        </p:spPr>
+        <p:txBody>
+          <a:bodyPr wrap="square" rtlCol="0">
+            <a:spAutoFit/>
+          </a:bodyPr>
+          <a:lstStyle/>
+          <a:p>
+            <a:r>
+              <a:rPr lang="en-US" altLang="zh-CN" sz="1400" dirty="0">
+                <a:latin typeface="微软雅黑" pitchFamily="34" charset="-122"/>
+                <a:ea typeface="微软雅黑" pitchFamily="34" charset="-122"/>
+              </a:rPr>
+              <a:t>predict(x, P, u, Q) </a:t>
+            </a:r>
+          </a:p>
+          <a:p>
+            <a:r>
+              <a:rPr lang="en-US" altLang="zh-CN" sz="1400" dirty="0">
+                <a:latin typeface="微软雅黑" pitchFamily="34" charset="-122"/>
+                <a:ea typeface="微软雅黑" pitchFamily="34" charset="-122"/>
+              </a:rPr>
+              <a:t>x is the state of the system. P is the variance of the system. u is the movement due to the process, and Q is the noise in the process.</a:t>
+            </a:r>
+          </a:p>
+          <a:p>
+            <a:endParaRPr lang="zh-CN" altLang="en-US" sz="1400" dirty="0">
+              <a:latin typeface="微软雅黑" pitchFamily="34" charset="-122"/>
+              <a:ea typeface="微软雅黑" pitchFamily="34" charset="-122"/>
+            </a:endParaRPr>
+          </a:p>
+        </p:txBody>
+      </p:sp>
+      <p:pic>
+        <p:nvPicPr>
+          <p:cNvPr id="4098" name="Picture 2"/>
+          <p:cNvPicPr>
+            <a:picLocks noChangeAspect="1" noChangeArrowheads="1"/>
+          </p:cNvPicPr>
+          <p:nvPr/>
+        </p:nvPicPr>
+        <p:blipFill>
+          <a:blip r:embed="rId2">
+            <a:extLst>
+              <a:ext uri="{28A0092B-C50C-407E-A947-70E740481C1C}">
+                <a14:useLocalDpi xmlns:a14="http://schemas.microsoft.com/office/drawing/2010/main" val="0"/>
+              </a:ext>
+            </a:extLst>
+          </a:blip>
+          <a:srcRect/>
+          <a:stretch>
+            <a:fillRect/>
+          </a:stretch>
+        </p:blipFill>
+        <p:spPr bwMode="auto">
+          <a:xfrm>
+            <a:off x="342599" y="1743658"/>
+            <a:ext cx="4777387" cy="3171999"/>
+          </a:xfrm>
+          <a:prstGeom prst="rect">
+            <a:avLst/>
+          </a:prstGeom>
+          <a:noFill/>
+          <a:ln>
+            <a:noFill/>
+          </a:ln>
+          <a:effectLst/>
+          <a:extLst>
+            <a:ext uri="{909E8E84-426E-40DD-AFC4-6F175D3DCCD1}">
+              <a14:hiddenFill xmlns:a14="http://schemas.microsoft.com/office/drawing/2010/main">
+                <a:solidFill>
+                  <a:schemeClr val="accent1"/>
+                </a:solidFill>
+              </a14:hiddenFill>
+            </a:ext>
+            <a:ext uri="{91240B29-F687-4F45-9708-019B960494DF}">
+              <a14:hiddenLine xmlns:a14="http://schemas.microsoft.com/office/drawing/2010/main" w="9525">
+                <a:solidFill>
+                  <a:schemeClr val="tx1"/>
+                </a:solidFill>
+                <a:miter lim="800000"/>
+                <a:headEnd/>
+                <a:tailEnd/>
+              </a14:hiddenLine>
+            </a:ext>
+            <a:ext uri="{AF507438-7753-43E0-B8FC-AC1667EBCBE1}">
+              <a14:hiddenEffects xmlns:a14="http://schemas.microsoft.com/office/drawing/2010/main">
+                <a:effectLst>
+                  <a:outerShdw dist="35921" dir="2700000" algn="ctr" rotWithShape="0">
+                    <a:schemeClr val="bg2"/>
+                  </a:outerShdw>
+                </a:effectLst>
+              </a14:hiddenEffects>
+            </a:ext>
+          </a:extLst>
+        </p:spPr>
+      </p:pic>
+    </p:spTree>
+    <p:extLst>
+      <p:ext uri="{BB962C8B-B14F-4D97-AF65-F5344CB8AC3E}">
+        <p14:creationId xmlns:p14="http://schemas.microsoft.com/office/powerpoint/2010/main" val="1854827256"/>
+      </p:ext>
+    </p:extLst>
+  </p:cSld>
+  <p:clrMapOvr>
+    <a:masterClrMapping/>
+  </p:clrMapOvr>
+</p:sld>
+</file>
+
+<file path=ppt/slides/slide8.xml><?xml version="1.0" encoding="utf-8"?>
+<p:sld xmlns:a="http://schemas.openxmlformats.org/drawingml/2006/main" xmlns:r="http://schemas.openxmlformats.org/officeDocument/2006/relationships" xmlns:p="http://schemas.openxmlformats.org/presentationml/2006/main">
+  <p:cSld>
+    <p:spTree>
+      <p:nvGrpSpPr>
+        <p:cNvPr id="1" name=""/>
+        <p:cNvGrpSpPr/>
+        <p:nvPr/>
+      </p:nvGrpSpPr>
+      <p:grpSpPr>
+        <a:xfrm>
+          <a:off x="0" y="0"/>
+          <a:ext cx="0" cy="0"/>
+          <a:chOff x="0" y="0"/>
+          <a:chExt cx="0" cy="0"/>
+        </a:xfrm>
+      </p:grpSpPr>
+      <p:sp>
+        <p:nvSpPr>
+          <p:cNvPr id="2" name="标题 1"/>
+          <p:cNvSpPr>
+            <a:spLocks noGrp="1"/>
+          </p:cNvSpPr>
+          <p:nvPr>
+            <p:ph type="title"/>
+          </p:nvPr>
+        </p:nvSpPr>
+        <p:spPr/>
+        <p:txBody>
+          <a:bodyPr/>
+          <a:lstStyle/>
+          <a:p>
+            <a:endParaRPr lang="zh-CN" altLang="en-US"/>
+          </a:p>
+        </p:txBody>
+      </p:sp>
+      <p:pic>
+        <p:nvPicPr>
+          <p:cNvPr id="2050" name="Picture 2"/>
+          <p:cNvPicPr>
+            <a:picLocks noChangeAspect="1" noChangeArrowheads="1"/>
+          </p:cNvPicPr>
+          <p:nvPr/>
+        </p:nvPicPr>
+        <p:blipFill>
+          <a:blip r:embed="rId2">
+            <a:extLst>
+              <a:ext uri="{28A0092B-C50C-407E-A947-70E740481C1C}">
+                <a14:useLocalDpi xmlns:a14="http://schemas.microsoft.com/office/drawing/2010/main" val="0"/>
+              </a:ext>
+            </a:extLst>
+          </a:blip>
+          <a:srcRect/>
+          <a:stretch>
+            <a:fillRect/>
+          </a:stretch>
+        </p:blipFill>
+        <p:spPr bwMode="auto">
+          <a:xfrm>
+            <a:off x="71500" y="375506"/>
+            <a:ext cx="6191250" cy="4619625"/>
+          </a:xfrm>
+          <a:prstGeom prst="rect">
+            <a:avLst/>
+          </a:prstGeom>
+          <a:noFill/>
+          <a:ln>
+            <a:noFill/>
+          </a:ln>
+          <a:effectLst/>
+          <a:extLst>
+            <a:ext uri="{909E8E84-426E-40DD-AFC4-6F175D3DCCD1}">
+              <a14:hiddenFill xmlns:a14="http://schemas.microsoft.com/office/drawing/2010/main">
+                <a:solidFill>
+                  <a:schemeClr val="accent1"/>
+                </a:solidFill>
+              </a14:hiddenFill>
+            </a:ext>
+            <a:ext uri="{91240B29-F687-4F45-9708-019B960494DF}">
+              <a14:hiddenLine xmlns:a14="http://schemas.microsoft.com/office/drawing/2010/main" w="9525">
+                <a:solidFill>
+                  <a:schemeClr val="tx1"/>
+                </a:solidFill>
+                <a:miter lim="800000"/>
+                <a:headEnd/>
+                <a:tailEnd/>
+              </a14:hiddenLine>
+            </a:ext>
+            <a:ext uri="{AF507438-7753-43E0-B8FC-AC1667EBCBE1}">
+              <a14:hiddenEffects xmlns:a14="http://schemas.microsoft.com/office/drawing/2010/main">
+                <a:effectLst>
+                  <a:outerShdw dist="35921" dir="2700000" algn="ctr" rotWithShape="0">
+                    <a:schemeClr val="bg2"/>
+                  </a:outerShdw>
+                </a:effectLst>
+              </a14:hiddenEffects>
+            </a:ext>
+          </a:extLst>
+        </p:spPr>
+      </p:pic>
+    </p:spTree>
+    <p:extLst>
+      <p:ext uri="{BB962C8B-B14F-4D97-AF65-F5344CB8AC3E}">
+        <p14:creationId xmlns:p14="http://schemas.microsoft.com/office/powerpoint/2010/main" val="4176187032"/>
+      </p:ext>
+    </p:extLst>
+  </p:cSld>
+  <p:clrMapOvr>
+    <a:masterClrMapping/>
+  </p:clrMapOvr>
+</p:sld>
+</file>
+
+<file path=ppt/slides/slide9.xml><?xml version="1.0" encoding="utf-8"?>
 <p:sld xmlns:a="http://schemas.openxmlformats.org/drawingml/2006/main" xmlns:r="http://schemas.openxmlformats.org/officeDocument/2006/relationships" xmlns:p="http://schemas.openxmlformats.org/presentationml/2006/main">
   <p:cSld>
     <p:spTree>
@@ -7271,7 +8238,6 @@
               <a:rPr lang="en-US" altLang="zh-CN" dirty="0"/>
               <a:t>EKF</a:t>
             </a:r>
-            <a:endParaRPr lang="en-US" altLang="zh-CN" dirty="0"/>
           </a:p>
         </p:txBody>
       </p:sp>
@@ -7292,338 +8258,6 @@
       </p:par>
     </p:tnLst>
   </p:timing>
-</p:sld>
-</file>
-
-<file path=ppt/slides/slide6.xml><?xml version="1.0" encoding="utf-8"?>
-<p:sld xmlns:a="http://schemas.openxmlformats.org/drawingml/2006/main" xmlns:r="http://schemas.openxmlformats.org/officeDocument/2006/relationships" xmlns:p="http://schemas.openxmlformats.org/presentationml/2006/main">
-  <p:cSld>
-    <p:spTree>
-      <p:nvGrpSpPr>
-        <p:cNvPr id="1" name=""/>
-        <p:cNvGrpSpPr/>
-        <p:nvPr/>
-      </p:nvGrpSpPr>
-      <p:grpSpPr>
-        <a:xfrm>
-          <a:off x="0" y="0"/>
-          <a:ext cx="0" cy="0"/>
-          <a:chOff x="0" y="0"/>
-          <a:chExt cx="0" cy="0"/>
-        </a:xfrm>
-      </p:grpSpPr>
-      <p:sp>
-        <p:nvSpPr>
-          <p:cNvPr id="2" name="标题 1"/>
-          <p:cNvSpPr>
-            <a:spLocks noGrp="1"/>
-          </p:cNvSpPr>
-          <p:nvPr>
-            <p:ph type="title"/>
-          </p:nvPr>
-        </p:nvSpPr>
-        <p:spPr/>
-        <p:txBody>
-          <a:bodyPr/>
-          <a:lstStyle/>
-          <a:p>
-            <a:endParaRPr lang="zh-CN" altLang="en-US"/>
-          </a:p>
-        </p:txBody>
-      </p:sp>
-      <p:pic>
-        <p:nvPicPr>
-          <p:cNvPr id="2050" name="Picture 2"/>
-          <p:cNvPicPr>
-            <a:picLocks noChangeAspect="1" noChangeArrowheads="1"/>
-          </p:cNvPicPr>
-          <p:nvPr/>
-        </p:nvPicPr>
-        <p:blipFill>
-          <a:blip r:embed="rId2">
-            <a:extLst>
-              <a:ext uri="{28A0092B-C50C-407E-A947-70E740481C1C}">
-                <a14:useLocalDpi xmlns:a14="http://schemas.microsoft.com/office/drawing/2010/main" val="0"/>
-              </a:ext>
-            </a:extLst>
-          </a:blip>
-          <a:srcRect/>
-          <a:stretch>
-            <a:fillRect/>
-          </a:stretch>
-        </p:blipFill>
-        <p:spPr bwMode="auto">
-          <a:xfrm>
-            <a:off x="4103948" y="1203598"/>
-            <a:ext cx="4810125" cy="3286125"/>
-          </a:xfrm>
-          <a:prstGeom prst="rect">
-            <a:avLst/>
-          </a:prstGeom>
-          <a:noFill/>
-          <a:ln>
-            <a:noFill/>
-          </a:ln>
-          <a:effectLst/>
-          <a:extLst>
-            <a:ext uri="{909E8E84-426E-40DD-AFC4-6F175D3DCCD1}">
-              <a14:hiddenFill xmlns:a14="http://schemas.microsoft.com/office/drawing/2010/main">
-                <a:solidFill>
-                  <a:schemeClr val="accent1"/>
-                </a:solidFill>
-              </a14:hiddenFill>
-            </a:ext>
-            <a:ext uri="{91240B29-F687-4F45-9708-019B960494DF}">
-              <a14:hiddenLine xmlns:a14="http://schemas.microsoft.com/office/drawing/2010/main" w="9525">
-                <a:solidFill>
-                  <a:schemeClr val="tx1"/>
-                </a:solidFill>
-                <a:miter lim="800000"/>
-                <a:headEnd/>
-                <a:tailEnd/>
-              </a14:hiddenLine>
-            </a:ext>
-            <a:ext uri="{AF507438-7753-43E0-B8FC-AC1667EBCBE1}">
-              <a14:hiddenEffects xmlns:a14="http://schemas.microsoft.com/office/drawing/2010/main">
-                <a:effectLst>
-                  <a:outerShdw dist="35921" dir="2700000" algn="ctr" rotWithShape="0">
-                    <a:schemeClr val="bg2"/>
-                  </a:outerShdw>
-                </a:effectLst>
-              </a14:hiddenEffects>
-            </a:ext>
-          </a:extLst>
-        </p:spPr>
-      </p:pic>
-      <p:pic>
-        <p:nvPicPr>
-          <p:cNvPr id="2051" name="Picture 3"/>
-          <p:cNvPicPr>
-            <a:picLocks noChangeAspect="1" noChangeArrowheads="1"/>
-          </p:cNvPicPr>
-          <p:nvPr/>
-        </p:nvPicPr>
-        <p:blipFill>
-          <a:blip r:embed="rId3">
-            <a:extLst>
-              <a:ext uri="{28A0092B-C50C-407E-A947-70E740481C1C}">
-                <a14:useLocalDpi xmlns:a14="http://schemas.microsoft.com/office/drawing/2010/main" val="0"/>
-              </a:ext>
-            </a:extLst>
-          </a:blip>
-          <a:srcRect/>
-          <a:stretch>
-            <a:fillRect/>
-          </a:stretch>
-        </p:blipFill>
-        <p:spPr bwMode="auto">
-          <a:xfrm>
-            <a:off x="422331" y="915566"/>
-            <a:ext cx="2571750" cy="1257300"/>
-          </a:xfrm>
-          <a:prstGeom prst="rect">
-            <a:avLst/>
-          </a:prstGeom>
-          <a:noFill/>
-          <a:ln>
-            <a:noFill/>
-          </a:ln>
-          <a:effectLst/>
-          <a:extLst>
-            <a:ext uri="{909E8E84-426E-40DD-AFC4-6F175D3DCCD1}">
-              <a14:hiddenFill xmlns:a14="http://schemas.microsoft.com/office/drawing/2010/main">
-                <a:solidFill>
-                  <a:schemeClr val="accent1"/>
-                </a:solidFill>
-              </a14:hiddenFill>
-            </a:ext>
-            <a:ext uri="{91240B29-F687-4F45-9708-019B960494DF}">
-              <a14:hiddenLine xmlns:a14="http://schemas.microsoft.com/office/drawing/2010/main" w="9525">
-                <a:solidFill>
-                  <a:schemeClr val="tx1"/>
-                </a:solidFill>
-                <a:miter lim="800000"/>
-                <a:headEnd/>
-                <a:tailEnd/>
-              </a14:hiddenLine>
-            </a:ext>
-            <a:ext uri="{AF507438-7753-43E0-B8FC-AC1667EBCBE1}">
-              <a14:hiddenEffects xmlns:a14="http://schemas.microsoft.com/office/drawing/2010/main">
-                <a:effectLst>
-                  <a:outerShdw dist="35921" dir="2700000" algn="ctr" rotWithShape="0">
-                    <a:schemeClr val="bg2"/>
-                  </a:outerShdw>
-                </a:effectLst>
-              </a14:hiddenEffects>
-            </a:ext>
-          </a:extLst>
-        </p:spPr>
-      </p:pic>
-    </p:spTree>
-    <p:extLst>
-      <p:ext uri="{BB962C8B-B14F-4D97-AF65-F5344CB8AC3E}">
-        <p14:creationId xmlns:p14="http://schemas.microsoft.com/office/powerpoint/2010/main" val="1949438437"/>
-      </p:ext>
-    </p:extLst>
-  </p:cSld>
-  <p:clrMapOvr>
-    <a:masterClrMapping/>
-  </p:clrMapOvr>
-</p:sld>
-</file>
-
-<file path=ppt/slides/slide7.xml><?xml version="1.0" encoding="utf-8"?>
-<p:sld xmlns:a="http://schemas.openxmlformats.org/drawingml/2006/main" xmlns:r="http://schemas.openxmlformats.org/officeDocument/2006/relationships" xmlns:p="http://schemas.openxmlformats.org/presentationml/2006/main">
-  <p:cSld>
-    <p:spTree>
-      <p:nvGrpSpPr>
-        <p:cNvPr id="1" name=""/>
-        <p:cNvGrpSpPr/>
-        <p:nvPr/>
-      </p:nvGrpSpPr>
-      <p:grpSpPr>
-        <a:xfrm>
-          <a:off x="0" y="0"/>
-          <a:ext cx="0" cy="0"/>
-          <a:chOff x="0" y="0"/>
-          <a:chExt cx="0" cy="0"/>
-        </a:xfrm>
-      </p:grpSpPr>
-      <p:sp>
-        <p:nvSpPr>
-          <p:cNvPr id="2" name="标题 1"/>
-          <p:cNvSpPr>
-            <a:spLocks noGrp="1"/>
-          </p:cNvSpPr>
-          <p:nvPr>
-            <p:ph type="title"/>
-          </p:nvPr>
-        </p:nvSpPr>
-        <p:spPr/>
-        <p:txBody>
-          <a:bodyPr/>
-          <a:lstStyle/>
-          <a:p>
-            <a:endParaRPr lang="zh-CN" altLang="en-US"/>
-          </a:p>
-        </p:txBody>
-      </p:sp>
-    </p:spTree>
-    <p:extLst>
-      <p:ext uri="{BB962C8B-B14F-4D97-AF65-F5344CB8AC3E}">
-        <p14:creationId xmlns:p14="http://schemas.microsoft.com/office/powerpoint/2010/main" val="2270902624"/>
-      </p:ext>
-    </p:extLst>
-  </p:cSld>
-  <p:clrMapOvr>
-    <a:masterClrMapping/>
-  </p:clrMapOvr>
-</p:sld>
-</file>
-
-<file path=ppt/slides/slide8.xml><?xml version="1.0" encoding="utf-8"?>
-<p:sld xmlns:a="http://schemas.openxmlformats.org/drawingml/2006/main" xmlns:r="http://schemas.openxmlformats.org/officeDocument/2006/relationships" xmlns:p="http://schemas.openxmlformats.org/presentationml/2006/main">
-  <p:cSld>
-    <p:spTree>
-      <p:nvGrpSpPr>
-        <p:cNvPr id="1" name=""/>
-        <p:cNvGrpSpPr/>
-        <p:nvPr/>
-      </p:nvGrpSpPr>
-      <p:grpSpPr>
-        <a:xfrm>
-          <a:off x="0" y="0"/>
-          <a:ext cx="0" cy="0"/>
-          <a:chOff x="0" y="0"/>
-          <a:chExt cx="0" cy="0"/>
-        </a:xfrm>
-      </p:grpSpPr>
-      <p:sp>
-        <p:nvSpPr>
-          <p:cNvPr id="2" name="标题 1"/>
-          <p:cNvSpPr>
-            <a:spLocks noGrp="1"/>
-          </p:cNvSpPr>
-          <p:nvPr>
-            <p:ph type="title"/>
-          </p:nvPr>
-        </p:nvSpPr>
-        <p:spPr/>
-        <p:txBody>
-          <a:bodyPr/>
-          <a:lstStyle/>
-          <a:p>
-            <a:r>
-              <a:rPr lang="en-US" altLang="zh-CN" dirty="0" smtClean="0"/>
-              <a:t>Physics Modeling</a:t>
-            </a:r>
-            <a:endParaRPr lang="zh-CN" altLang="en-US" dirty="0"/>
-          </a:p>
-        </p:txBody>
-      </p:sp>
-    </p:spTree>
-    <p:extLst>
-      <p:ext uri="{BB962C8B-B14F-4D97-AF65-F5344CB8AC3E}">
-        <p14:creationId xmlns:p14="http://schemas.microsoft.com/office/powerpoint/2010/main" val="2330724567"/>
-      </p:ext>
-    </p:extLst>
-  </p:cSld>
-  <p:clrMapOvr>
-    <a:masterClrMapping/>
-  </p:clrMapOvr>
-</p:sld>
-</file>
-
-<file path=ppt/slides/slide9.xml><?xml version="1.0" encoding="utf-8"?>
-<p:sld xmlns:a="http://schemas.openxmlformats.org/drawingml/2006/main" xmlns:r="http://schemas.openxmlformats.org/officeDocument/2006/relationships" xmlns:p="http://schemas.openxmlformats.org/presentationml/2006/main">
-  <p:cSld>
-    <p:spTree>
-      <p:nvGrpSpPr>
-        <p:cNvPr id="1" name=""/>
-        <p:cNvGrpSpPr/>
-        <p:nvPr/>
-      </p:nvGrpSpPr>
-      <p:grpSpPr>
-        <a:xfrm>
-          <a:off x="0" y="0"/>
-          <a:ext cx="0" cy="0"/>
-          <a:chOff x="0" y="0"/>
-          <a:chExt cx="0" cy="0"/>
-        </a:xfrm>
-      </p:grpSpPr>
-      <p:sp>
-        <p:nvSpPr>
-          <p:cNvPr id="2" name="标题 1"/>
-          <p:cNvSpPr>
-            <a:spLocks noGrp="1"/>
-          </p:cNvSpPr>
-          <p:nvPr>
-            <p:ph type="title"/>
-          </p:nvPr>
-        </p:nvSpPr>
-        <p:spPr/>
-        <p:txBody>
-          <a:bodyPr/>
-          <a:lstStyle/>
-          <a:p>
-            <a:r>
-              <a:rPr lang="en-US" altLang="zh-CN" dirty="0" smtClean="0"/>
-              <a:t>Deep learning</a:t>
-            </a:r>
-            <a:endParaRPr lang="zh-CN" altLang="en-US" dirty="0"/>
-          </a:p>
-        </p:txBody>
-      </p:sp>
-    </p:spTree>
-    <p:extLst>
-      <p:ext uri="{BB962C8B-B14F-4D97-AF65-F5344CB8AC3E}">
-        <p14:creationId xmlns:p14="http://schemas.microsoft.com/office/powerpoint/2010/main" val="1736648137"/>
-      </p:ext>
-    </p:extLst>
-  </p:cSld>
-  <p:clrMapOvr>
-    <a:masterClrMapping/>
-  </p:clrMapOvr>
 </p:sld>
 </file>
 

--- a/docs/wandmaker_新松机器人.pptx
+++ b/docs/wandmaker_新松机器人.pptx
@@ -5,24 +5,25 @@
     <p:sldMasterId id="2147483661" r:id="rId1"/>
   </p:sldMasterIdLst>
   <p:notesMasterIdLst>
-    <p:notesMasterId r:id="rId17"/>
+    <p:notesMasterId r:id="rId18"/>
   </p:notesMasterIdLst>
   <p:sldIdLst>
     <p:sldId id="400" r:id="rId2"/>
     <p:sldId id="430" r:id="rId3"/>
     <p:sldId id="429" r:id="rId4"/>
-    <p:sldId id="439" r:id="rId5"/>
-    <p:sldId id="445" r:id="rId6"/>
-    <p:sldId id="447" r:id="rId7"/>
-    <p:sldId id="448" r:id="rId8"/>
-    <p:sldId id="446" r:id="rId9"/>
-    <p:sldId id="442" r:id="rId10"/>
-    <p:sldId id="443" r:id="rId11"/>
-    <p:sldId id="444" r:id="rId12"/>
-    <p:sldId id="440" r:id="rId13"/>
-    <p:sldId id="441" r:id="rId14"/>
-    <p:sldId id="431" r:id="rId15"/>
-    <p:sldId id="432" r:id="rId16"/>
+    <p:sldId id="449" r:id="rId5"/>
+    <p:sldId id="439" r:id="rId6"/>
+    <p:sldId id="445" r:id="rId7"/>
+    <p:sldId id="447" r:id="rId8"/>
+    <p:sldId id="448" r:id="rId9"/>
+    <p:sldId id="446" r:id="rId10"/>
+    <p:sldId id="442" r:id="rId11"/>
+    <p:sldId id="443" r:id="rId12"/>
+    <p:sldId id="444" r:id="rId13"/>
+    <p:sldId id="440" r:id="rId14"/>
+    <p:sldId id="441" r:id="rId15"/>
+    <p:sldId id="431" r:id="rId16"/>
+    <p:sldId id="432" r:id="rId17"/>
   </p:sldIdLst>
   <p:sldSz cx="9144000" cy="5143500" type="screen16x9"/>
   <p:notesSz cx="6858000" cy="9144000"/>
@@ -227,7 +228,7 @@
           <a:p>
             <a:fld id="{1F0CC73B-1423-4017-B71F-08E313647140}" type="datetimeFigureOut">
               <a:rPr lang="zh-CN" altLang="en-US" smtClean="0"/>
-              <a:t>2017/9/15</a:t>
+              <a:t>2017/9/16</a:t>
             </a:fld>
             <a:endParaRPr lang="zh-CN" altLang="en-US"/>
           </a:p>
@@ -544,62 +545,6 @@
           <a:bodyPr/>
           <a:lstStyle/>
           <a:p>
-            <a:r>
-              <a:rPr lang="en-US" altLang="zh-CN" sz="1200" b="0" dirty="0" smtClean="0">
-                <a:solidFill>
-                  <a:schemeClr val="tx1"/>
-                </a:solidFill>
-              </a:rPr>
-              <a:t>,  </a:t>
-            </a:r>
-            <a:r>
-              <a:rPr lang="en-US" altLang="zh-CN" sz="1200" b="0" dirty="0" err="1" smtClean="0">
-                <a:solidFill>
-                  <a:schemeClr val="tx1"/>
-                </a:solidFill>
-              </a:rPr>
-              <a:t>Sha</a:t>
-            </a:r>
-            <a:r>
-              <a:rPr lang="en-US" altLang="zh-CN" sz="1200" b="0" dirty="0" smtClean="0">
-                <a:solidFill>
-                  <a:schemeClr val="tx1"/>
-                </a:solidFill>
-              </a:rPr>
-              <a:t> </a:t>
-            </a:r>
-            <a:r>
-              <a:rPr lang="en-US" altLang="zh-CN" sz="1200" b="0" dirty="0" err="1" smtClean="0">
-                <a:solidFill>
-                  <a:schemeClr val="tx1"/>
-                </a:solidFill>
-              </a:rPr>
-              <a:t>Chaofeng</a:t>
-            </a:r>
-            <a:r>
-              <a:rPr lang="en-US" altLang="zh-CN" sz="1200" b="0" dirty="0" smtClean="0">
-                <a:solidFill>
-                  <a:schemeClr val="tx1"/>
-                </a:solidFill>
-              </a:rPr>
-              <a:t>(</a:t>
-            </a:r>
-            <a:r>
-              <a:rPr lang="zh-CN" altLang="en-US" sz="1200" b="0" dirty="0" smtClean="0">
-                <a:solidFill>
-                  <a:schemeClr val="tx1"/>
-                </a:solidFill>
-              </a:rPr>
-              <a:t>沙朝锋</a:t>
-            </a:r>
-            <a:r>
-              <a:rPr lang="en-US" altLang="zh-CN" sz="1200" b="0" dirty="0" smtClean="0">
-                <a:solidFill>
-                  <a:schemeClr val="tx1"/>
-                </a:solidFill>
-              </a:rPr>
-              <a:t>)</a:t>
-            </a:r>
             <a:endParaRPr lang="zh-CN" altLang="en-US" dirty="0"/>
           </a:p>
         </p:txBody>
@@ -689,42 +634,6 @@
           <a:bodyPr/>
           <a:lstStyle/>
           <a:p>
-            <a:r>
-              <a:rPr lang="zh-CN" altLang="en-US" dirty="0" smtClean="0"/>
-              <a:t>为了在可解释的框架下分析此问题，</a:t>
-            </a:r>
-            <a:r>
-              <a:rPr lang="zh-CN" altLang="en-US" baseline="0" dirty="0" smtClean="0"/>
-              <a:t> </a:t>
-            </a:r>
-            <a:r>
-              <a:rPr lang="zh-CN" altLang="en-US" dirty="0" smtClean="0"/>
-              <a:t>我们先尝试取一定时间窗口</a:t>
-            </a:r>
-            <a:r>
-              <a:rPr lang="en-US" altLang="zh-CN" dirty="0" smtClean="0"/>
-              <a:t>T</a:t>
-            </a:r>
-            <a:r>
-              <a:rPr lang="zh-CN" altLang="en-US" dirty="0" smtClean="0"/>
-              <a:t>（</a:t>
-            </a:r>
-            <a:r>
-              <a:rPr lang="en-US" altLang="zh-CN" dirty="0" smtClean="0"/>
-              <a:t>30</a:t>
-            </a:r>
-            <a:r>
-              <a:rPr lang="zh-CN" altLang="en-US" dirty="0" smtClean="0"/>
-              <a:t>天）内的金价和辅助特征作为输入，用</a:t>
-            </a:r>
-            <a:r>
-              <a:rPr lang="en-US" altLang="zh-CN" dirty="0" smtClean="0"/>
-              <a:t>LSTM</a:t>
-            </a:r>
-            <a:r>
-              <a:rPr lang="zh-CN" altLang="en-US" dirty="0" smtClean="0"/>
-              <a:t>预测金价单日涨幅，在此基础上，设计风险期望可调的交易策略。</a:t>
-            </a:r>
             <a:endParaRPr lang="zh-CN" altLang="en-US" dirty="0"/>
           </a:p>
         </p:txBody>
@@ -3810,6 +3719,296 @@
           <a:bodyPr/>
           <a:lstStyle/>
           <a:p>
+            <a:r>
+              <a:rPr lang="en-US" altLang="zh-CN" dirty="0" err="1"/>
+              <a:t>Kalman</a:t>
+            </a:r>
+            <a:r>
+              <a:rPr lang="en-US" altLang="zh-CN" dirty="0"/>
+              <a:t> Filter</a:t>
+            </a:r>
+            <a:endParaRPr lang="zh-CN" altLang="en-US" dirty="0"/>
+          </a:p>
+        </p:txBody>
+      </p:sp>
+      <p:sp>
+        <p:nvSpPr>
+          <p:cNvPr id="3" name="矩形 2"/>
+          <p:cNvSpPr/>
+          <p:nvPr/>
+        </p:nvSpPr>
+        <p:spPr>
+          <a:xfrm>
+            <a:off x="575556" y="843558"/>
+            <a:ext cx="8136904" cy="1477328"/>
+          </a:xfrm>
+          <a:prstGeom prst="rect">
+            <a:avLst/>
+          </a:prstGeom>
+        </p:spPr>
+        <p:txBody>
+          <a:bodyPr wrap="square">
+            <a:spAutoFit/>
+          </a:bodyPr>
+          <a:lstStyle/>
+          <a:p>
+            <a:r>
+              <a:rPr lang="en-US" altLang="zh-CN" dirty="0"/>
+              <a:t>No need to provide labeled training </a:t>
+            </a:r>
+            <a:r>
+              <a:rPr lang="en-US" altLang="zh-CN" dirty="0" smtClean="0"/>
+              <a:t>data </a:t>
+            </a:r>
+          </a:p>
+          <a:p>
+            <a:r>
+              <a:rPr lang="en-US" altLang="zh-CN" dirty="0" smtClean="0"/>
+              <a:t>Ability to handle noisy observations</a:t>
+            </a:r>
+          </a:p>
+          <a:p>
+            <a:endParaRPr lang="en-US" altLang="zh-CN" i="1" dirty="0"/>
+          </a:p>
+          <a:p>
+            <a:r>
+              <a:rPr lang="en-US" altLang="zh-CN" dirty="0"/>
+              <a:t>Apply the </a:t>
+            </a:r>
+            <a:r>
+              <a:rPr lang="en-US" altLang="zh-CN" dirty="0" err="1"/>
+              <a:t>Kalman</a:t>
+            </a:r>
+            <a:r>
+              <a:rPr lang="en-US" altLang="zh-CN" dirty="0"/>
+              <a:t> Smoother to estimate the </a:t>
+            </a:r>
+            <a:r>
+              <a:rPr lang="en-US" altLang="zh-CN" dirty="0" smtClean="0"/>
+              <a:t>hidden state </a:t>
+            </a:r>
+            <a:r>
+              <a:rPr lang="en-US" altLang="zh-CN" dirty="0"/>
+              <a:t>at </a:t>
+            </a:r>
+            <a:r>
+              <a:rPr lang="en-US" altLang="zh-CN" dirty="0" smtClean="0"/>
+              <a:t>time</a:t>
+            </a:r>
+          </a:p>
+          <a:p>
+            <a:endParaRPr lang="en-US" altLang="zh-CN" dirty="0"/>
+          </a:p>
+        </p:txBody>
+      </p:sp>
+      <p:pic>
+        <p:nvPicPr>
+          <p:cNvPr id="1026" name="Picture 2"/>
+          <p:cNvPicPr>
+            <a:picLocks noChangeAspect="1" noChangeArrowheads="1"/>
+          </p:cNvPicPr>
+          <p:nvPr/>
+        </p:nvPicPr>
+        <p:blipFill>
+          <a:blip r:embed="rId2">
+            <a:extLst>
+              <a:ext uri="{28A0092B-C50C-407E-A947-70E740481C1C}">
+                <a14:useLocalDpi xmlns:a14="http://schemas.microsoft.com/office/drawing/2010/main" val="0"/>
+              </a:ext>
+            </a:extLst>
+          </a:blip>
+          <a:srcRect/>
+          <a:stretch>
+            <a:fillRect/>
+          </a:stretch>
+        </p:blipFill>
+        <p:spPr bwMode="auto">
+          <a:xfrm>
+            <a:off x="107504" y="2247714"/>
+            <a:ext cx="4176464" cy="1937457"/>
+          </a:xfrm>
+          <a:prstGeom prst="rect">
+            <a:avLst/>
+          </a:prstGeom>
+          <a:noFill/>
+          <a:ln>
+            <a:noFill/>
+          </a:ln>
+          <a:effectLst/>
+          <a:extLst>
+            <a:ext uri="{909E8E84-426E-40DD-AFC4-6F175D3DCCD1}">
+              <a14:hiddenFill xmlns:a14="http://schemas.microsoft.com/office/drawing/2010/main">
+                <a:solidFill>
+                  <a:schemeClr val="accent1"/>
+                </a:solidFill>
+              </a14:hiddenFill>
+            </a:ext>
+            <a:ext uri="{91240B29-F687-4F45-9708-019B960494DF}">
+              <a14:hiddenLine xmlns:a14="http://schemas.microsoft.com/office/drawing/2010/main" w="9525">
+                <a:solidFill>
+                  <a:schemeClr val="tx1"/>
+                </a:solidFill>
+                <a:miter lim="800000"/>
+                <a:headEnd/>
+                <a:tailEnd/>
+              </a14:hiddenLine>
+            </a:ext>
+            <a:ext uri="{AF507438-7753-43E0-B8FC-AC1667EBCBE1}">
+              <a14:hiddenEffects xmlns:a14="http://schemas.microsoft.com/office/drawing/2010/main">
+                <a:effectLst>
+                  <a:outerShdw dist="35921" dir="2700000" algn="ctr" rotWithShape="0">
+                    <a:schemeClr val="bg2"/>
+                  </a:outerShdw>
+                </a:effectLst>
+              </a14:hiddenEffects>
+            </a:ext>
+          </a:extLst>
+        </p:spPr>
+      </p:pic>
+      <p:pic>
+        <p:nvPicPr>
+          <p:cNvPr id="1027" name="Picture 3"/>
+          <p:cNvPicPr>
+            <a:picLocks noChangeAspect="1" noChangeArrowheads="1"/>
+          </p:cNvPicPr>
+          <p:nvPr/>
+        </p:nvPicPr>
+        <p:blipFill>
+          <a:blip r:embed="rId3">
+            <a:extLst>
+              <a:ext uri="{28A0092B-C50C-407E-A947-70E740481C1C}">
+                <a14:useLocalDpi xmlns:a14="http://schemas.microsoft.com/office/drawing/2010/main" val="0"/>
+              </a:ext>
+            </a:extLst>
+          </a:blip>
+          <a:srcRect/>
+          <a:stretch>
+            <a:fillRect/>
+          </a:stretch>
+        </p:blipFill>
+        <p:spPr bwMode="auto">
+          <a:xfrm>
+            <a:off x="4467629" y="2679762"/>
+            <a:ext cx="4539323" cy="1684201"/>
+          </a:xfrm>
+          <a:prstGeom prst="rect">
+            <a:avLst/>
+          </a:prstGeom>
+          <a:noFill/>
+          <a:ln>
+            <a:noFill/>
+          </a:ln>
+          <a:effectLst/>
+          <a:extLst>
+            <a:ext uri="{909E8E84-426E-40DD-AFC4-6F175D3DCCD1}">
+              <a14:hiddenFill xmlns:a14="http://schemas.microsoft.com/office/drawing/2010/main">
+                <a:solidFill>
+                  <a:schemeClr val="accent1"/>
+                </a:solidFill>
+              </a14:hiddenFill>
+            </a:ext>
+            <a:ext uri="{91240B29-F687-4F45-9708-019B960494DF}">
+              <a14:hiddenLine xmlns:a14="http://schemas.microsoft.com/office/drawing/2010/main" w="9525">
+                <a:solidFill>
+                  <a:schemeClr val="tx1"/>
+                </a:solidFill>
+                <a:miter lim="800000"/>
+                <a:headEnd/>
+                <a:tailEnd/>
+              </a14:hiddenLine>
+            </a:ext>
+            <a:ext uri="{AF507438-7753-43E0-B8FC-AC1667EBCBE1}">
+              <a14:hiddenEffects xmlns:a14="http://schemas.microsoft.com/office/drawing/2010/main">
+                <a:effectLst>
+                  <a:outerShdw dist="35921" dir="2700000" algn="ctr" rotWithShape="0">
+                    <a:schemeClr val="bg2"/>
+                  </a:outerShdw>
+                </a:effectLst>
+              </a14:hiddenEffects>
+            </a:ext>
+          </a:extLst>
+        </p:spPr>
+      </p:pic>
+      <p:sp>
+        <p:nvSpPr>
+          <p:cNvPr id="4" name="矩形 3"/>
+          <p:cNvSpPr/>
+          <p:nvPr/>
+        </p:nvSpPr>
+        <p:spPr>
+          <a:xfrm>
+            <a:off x="4391980" y="2247714"/>
+            <a:ext cx="623889" cy="369332"/>
+          </a:xfrm>
+          <a:prstGeom prst="rect">
+            <a:avLst/>
+          </a:prstGeom>
+        </p:spPr>
+        <p:txBody>
+          <a:bodyPr wrap="none">
+            <a:spAutoFit/>
+          </a:bodyPr>
+          <a:lstStyle/>
+          <a:p>
+            <a:r>
+              <a:rPr lang="en-US" altLang="zh-CN" dirty="0"/>
+              <a:t>EKF</a:t>
+            </a:r>
+          </a:p>
+        </p:txBody>
+      </p:sp>
+    </p:spTree>
+    <p:extLst>
+      <p:ext uri="{BB962C8B-B14F-4D97-AF65-F5344CB8AC3E}">
+        <p14:creationId xmlns:p14="http://schemas.microsoft.com/office/powerpoint/2010/main" val="1573099398"/>
+      </p:ext>
+    </p:extLst>
+  </p:cSld>
+  <p:clrMapOvr>
+    <a:masterClrMapping/>
+  </p:clrMapOvr>
+  <p:timing>
+    <p:tnLst>
+      <p:par>
+        <p:cTn id="1" dur="indefinite" restart="never" nodeType="tmRoot"/>
+      </p:par>
+    </p:tnLst>
+  </p:timing>
+</p:sld>
+</file>
+
+<file path=ppt/slides/slide11.xml><?xml version="1.0" encoding="utf-8"?>
+<p:sld xmlns:a="http://schemas.openxmlformats.org/drawingml/2006/main" xmlns:r="http://schemas.openxmlformats.org/officeDocument/2006/relationships" xmlns:p="http://schemas.openxmlformats.org/presentationml/2006/main">
+  <p:cSld>
+    <p:spTree>
+      <p:nvGrpSpPr>
+        <p:cNvPr id="1" name=""/>
+        <p:cNvGrpSpPr/>
+        <p:nvPr/>
+      </p:nvGrpSpPr>
+      <p:grpSpPr>
+        <a:xfrm>
+          <a:off x="0" y="0"/>
+          <a:ext cx="0" cy="0"/>
+          <a:chOff x="0" y="0"/>
+          <a:chExt cx="0" cy="0"/>
+        </a:xfrm>
+      </p:grpSpPr>
+      <p:sp>
+        <p:nvSpPr>
+          <p:cNvPr id="2" name="标题 1"/>
+          <p:cNvSpPr>
+            <a:spLocks noGrp="1"/>
+          </p:cNvSpPr>
+          <p:nvPr>
+            <p:ph type="title"/>
+          </p:nvPr>
+        </p:nvSpPr>
+        <p:spPr/>
+        <p:txBody>
+          <a:bodyPr/>
+          <a:lstStyle/>
+          <a:p>
             <a:endParaRPr lang="zh-CN" altLang="en-US"/>
           </a:p>
         </p:txBody>
@@ -3955,55 +4154,6 @@
 </p:sld>
 </file>
 
-<file path=ppt/slides/slide11.xml><?xml version="1.0" encoding="utf-8"?>
-<p:sld xmlns:a="http://schemas.openxmlformats.org/drawingml/2006/main" xmlns:r="http://schemas.openxmlformats.org/officeDocument/2006/relationships" xmlns:p="http://schemas.openxmlformats.org/presentationml/2006/main">
-  <p:cSld>
-    <p:spTree>
-      <p:nvGrpSpPr>
-        <p:cNvPr id="1" name=""/>
-        <p:cNvGrpSpPr/>
-        <p:nvPr/>
-      </p:nvGrpSpPr>
-      <p:grpSpPr>
-        <a:xfrm>
-          <a:off x="0" y="0"/>
-          <a:ext cx="0" cy="0"/>
-          <a:chOff x="0" y="0"/>
-          <a:chExt cx="0" cy="0"/>
-        </a:xfrm>
-      </p:grpSpPr>
-      <p:sp>
-        <p:nvSpPr>
-          <p:cNvPr id="2" name="标题 1"/>
-          <p:cNvSpPr>
-            <a:spLocks noGrp="1"/>
-          </p:cNvSpPr>
-          <p:nvPr>
-            <p:ph type="title"/>
-          </p:nvPr>
-        </p:nvSpPr>
-        <p:spPr/>
-        <p:txBody>
-          <a:bodyPr/>
-          <a:lstStyle/>
-          <a:p>
-            <a:endParaRPr lang="zh-CN" altLang="en-US"/>
-          </a:p>
-        </p:txBody>
-      </p:sp>
-    </p:spTree>
-    <p:extLst>
-      <p:ext uri="{BB962C8B-B14F-4D97-AF65-F5344CB8AC3E}">
-        <p14:creationId xmlns:p14="http://schemas.microsoft.com/office/powerpoint/2010/main" val="2270902624"/>
-      </p:ext>
-    </p:extLst>
-  </p:cSld>
-  <p:clrMapOvr>
-    <a:masterClrMapping/>
-  </p:clrMapOvr>
-</p:sld>
-</file>
-
 <file path=ppt/slides/slide12.xml><?xml version="1.0" encoding="utf-8"?>
 <p:sld xmlns:a="http://schemas.openxmlformats.org/drawingml/2006/main" xmlns:r="http://schemas.openxmlformats.org/officeDocument/2006/relationships" xmlns:p="http://schemas.openxmlformats.org/presentationml/2006/main">
   <p:cSld>
@@ -4036,18 +4186,14 @@
           <a:bodyPr/>
           <a:lstStyle/>
           <a:p>
-            <a:r>
-              <a:rPr lang="en-US" altLang="zh-CN" dirty="0" smtClean="0"/>
-              <a:t>Physics Modeling</a:t>
-            </a:r>
-            <a:endParaRPr lang="zh-CN" altLang="en-US" dirty="0"/>
+            <a:endParaRPr lang="zh-CN" altLang="en-US"/>
           </a:p>
         </p:txBody>
       </p:sp>
     </p:spTree>
     <p:extLst>
       <p:ext uri="{BB962C8B-B14F-4D97-AF65-F5344CB8AC3E}">
-        <p14:creationId xmlns:p14="http://schemas.microsoft.com/office/powerpoint/2010/main" val="2330724567"/>
+        <p14:creationId xmlns:p14="http://schemas.microsoft.com/office/powerpoint/2010/main" val="2270902624"/>
       </p:ext>
     </p:extLst>
   </p:cSld>
@@ -4091,7 +4237,7 @@
           <a:p>
             <a:r>
               <a:rPr lang="en-US" altLang="zh-CN" dirty="0" smtClean="0"/>
-              <a:t>Deep learning</a:t>
+              <a:t>Physics Modeling</a:t>
             </a:r>
             <a:endParaRPr lang="zh-CN" altLang="en-US" dirty="0"/>
           </a:p>
@@ -4100,7 +4246,7 @@
     </p:spTree>
     <p:extLst>
       <p:ext uri="{BB962C8B-B14F-4D97-AF65-F5344CB8AC3E}">
-        <p14:creationId xmlns:p14="http://schemas.microsoft.com/office/powerpoint/2010/main" val="1736648137"/>
+        <p14:creationId xmlns:p14="http://schemas.microsoft.com/office/powerpoint/2010/main" val="2330724567"/>
       </p:ext>
     </p:extLst>
   </p:cSld>
@@ -4143,6 +4289,59 @@
           <a:lstStyle/>
           <a:p>
             <a:r>
+              <a:rPr lang="en-US" altLang="zh-CN" dirty="0" smtClean="0"/>
+              <a:t>Deep learning</a:t>
+            </a:r>
+            <a:endParaRPr lang="zh-CN" altLang="en-US" dirty="0"/>
+          </a:p>
+        </p:txBody>
+      </p:sp>
+    </p:spTree>
+    <p:extLst>
+      <p:ext uri="{BB962C8B-B14F-4D97-AF65-F5344CB8AC3E}">
+        <p14:creationId xmlns:p14="http://schemas.microsoft.com/office/powerpoint/2010/main" val="1736648137"/>
+      </p:ext>
+    </p:extLst>
+  </p:cSld>
+  <p:clrMapOvr>
+    <a:masterClrMapping/>
+  </p:clrMapOvr>
+</p:sld>
+</file>
+
+<file path=ppt/slides/slide15.xml><?xml version="1.0" encoding="utf-8"?>
+<p:sld xmlns:a="http://schemas.openxmlformats.org/drawingml/2006/main" xmlns:r="http://schemas.openxmlformats.org/officeDocument/2006/relationships" xmlns:p="http://schemas.openxmlformats.org/presentationml/2006/main">
+  <p:cSld>
+    <p:spTree>
+      <p:nvGrpSpPr>
+        <p:cNvPr id="1" name=""/>
+        <p:cNvGrpSpPr/>
+        <p:nvPr/>
+      </p:nvGrpSpPr>
+      <p:grpSpPr>
+        <a:xfrm>
+          <a:off x="0" y="0"/>
+          <a:ext cx="0" cy="0"/>
+          <a:chOff x="0" y="0"/>
+          <a:chExt cx="0" cy="0"/>
+        </a:xfrm>
+      </p:grpSpPr>
+      <p:sp>
+        <p:nvSpPr>
+          <p:cNvPr id="2" name="标题 1"/>
+          <p:cNvSpPr>
+            <a:spLocks noGrp="1"/>
+          </p:cNvSpPr>
+          <p:nvPr>
+            <p:ph type="title"/>
+          </p:nvPr>
+        </p:nvSpPr>
+        <p:spPr/>
+        <p:txBody>
+          <a:bodyPr/>
+          <a:lstStyle/>
+          <a:p>
+            <a:r>
               <a:rPr lang="zh-CN" altLang="en-US" dirty="0" smtClean="0"/>
               <a:t>总结</a:t>
             </a:r>
@@ -4226,7 +4425,7 @@
 </p:sld>
 </file>
 
-<file path=ppt/slides/slide15.xml><?xml version="1.0" encoding="utf-8"?>
+<file path=ppt/slides/slide16.xml><?xml version="1.0" encoding="utf-8"?>
 <p:sld xmlns:a="http://schemas.openxmlformats.org/drawingml/2006/main" xmlns:r="http://schemas.openxmlformats.org/officeDocument/2006/relationships" xmlns:p="http://schemas.openxmlformats.org/presentationml/2006/main">
   <p:cSld>
     <p:spTree>
@@ -5274,7 +5473,7 @@
             <a:p>
               <a:pPr lvl="0" algn="ctr"/>
               <a:r>
-                <a:rPr lang="en-US" altLang="zh-CN" dirty="0" smtClean="0">
+                <a:rPr lang="en-US" altLang="zh-CN" smtClean="0">
                   <a:solidFill>
                     <a:srgbClr val="BB1717"/>
                   </a:solidFill>
@@ -5284,7 +5483,7 @@
                 <a:t>LSTM</a:t>
               </a:r>
               <a:r>
-                <a:rPr lang="zh-CN" altLang="en-US" dirty="0" smtClean="0">
+                <a:rPr lang="zh-CN" altLang="en-US" smtClean="0">
                   <a:solidFill>
                     <a:srgbClr val="BB1717"/>
                   </a:solidFill>
@@ -6915,6 +7114,122 @@
           <a:bodyPr/>
           <a:lstStyle/>
           <a:p>
+            <a:endParaRPr lang="zh-CN" altLang="en-US"/>
+          </a:p>
+        </p:txBody>
+      </p:sp>
+      <p:sp>
+        <p:nvSpPr>
+          <p:cNvPr id="3" name="矩形 2"/>
+          <p:cNvSpPr/>
+          <p:nvPr/>
+        </p:nvSpPr>
+        <p:spPr>
+          <a:xfrm>
+            <a:off x="611560" y="1095586"/>
+            <a:ext cx="7992888" cy="1323439"/>
+          </a:xfrm>
+          <a:prstGeom prst="rect">
+            <a:avLst/>
+          </a:prstGeom>
+        </p:spPr>
+        <p:txBody>
+          <a:bodyPr wrap="square">
+            <a:spAutoFit/>
+          </a:bodyPr>
+          <a:lstStyle/>
+          <a:p>
+            <a:pPr marL="342900" indent="-342900">
+              <a:buFont typeface="+mj-lt"/>
+              <a:buAutoNum type="arabicPeriod"/>
+            </a:pPr>
+            <a:r>
+              <a:rPr lang="en-US" altLang="zh-CN" sz="2000" dirty="0" err="1"/>
+              <a:t>Kalman</a:t>
+            </a:r>
+            <a:r>
+              <a:rPr lang="en-US" altLang="zh-CN" sz="2000" dirty="0"/>
+              <a:t> filter </a:t>
+            </a:r>
+            <a:r>
+              <a:rPr lang="en-US" altLang="zh-CN" sz="2000" dirty="0" smtClean="0"/>
+              <a:t>Smoothing</a:t>
+            </a:r>
+          </a:p>
+          <a:p>
+            <a:pPr marL="342900" indent="-342900">
+              <a:buFont typeface="+mj-lt"/>
+              <a:buAutoNum type="arabicPeriod"/>
+            </a:pPr>
+            <a:r>
+              <a:rPr lang="en-US" altLang="zh-CN" sz="2000" dirty="0" smtClean="0"/>
+              <a:t>Physics</a:t>
+            </a:r>
+          </a:p>
+          <a:p>
+            <a:pPr marL="342900" indent="-342900">
+              <a:buFont typeface="+mj-lt"/>
+              <a:buAutoNum type="arabicPeriod"/>
+            </a:pPr>
+            <a:r>
+              <a:rPr lang="en-US" altLang="zh-CN" sz="2000" dirty="0" smtClean="0"/>
+              <a:t>Machine learning</a:t>
+            </a:r>
+          </a:p>
+          <a:p>
+            <a:pPr marL="342900" indent="-342900">
+              <a:buFont typeface="+mj-lt"/>
+              <a:buAutoNum type="arabicPeriod"/>
+            </a:pPr>
+            <a:endParaRPr lang="zh-CN" altLang="en-US" sz="2000" dirty="0"/>
+          </a:p>
+        </p:txBody>
+      </p:sp>
+    </p:spTree>
+    <p:extLst>
+      <p:ext uri="{BB962C8B-B14F-4D97-AF65-F5344CB8AC3E}">
+        <p14:creationId xmlns:p14="http://schemas.microsoft.com/office/powerpoint/2010/main" val="4180593679"/>
+      </p:ext>
+    </p:extLst>
+  </p:cSld>
+  <p:clrMapOvr>
+    <a:masterClrMapping/>
+  </p:clrMapOvr>
+</p:sld>
+</file>
+
+<file path=ppt/slides/slide5.xml><?xml version="1.0" encoding="utf-8"?>
+<p:sld xmlns:a="http://schemas.openxmlformats.org/drawingml/2006/main" xmlns:r="http://schemas.openxmlformats.org/officeDocument/2006/relationships" xmlns:p="http://schemas.openxmlformats.org/presentationml/2006/main">
+  <p:cSld>
+    <p:spTree>
+      <p:nvGrpSpPr>
+        <p:cNvPr id="1" name=""/>
+        <p:cNvGrpSpPr/>
+        <p:nvPr/>
+      </p:nvGrpSpPr>
+      <p:grpSpPr>
+        <a:xfrm>
+          <a:off x="0" y="0"/>
+          <a:ext cx="0" cy="0"/>
+          <a:chOff x="0" y="0"/>
+          <a:chExt cx="0" cy="0"/>
+        </a:xfrm>
+      </p:grpSpPr>
+      <p:sp>
+        <p:nvSpPr>
+          <p:cNvPr id="2" name="标题 1"/>
+          <p:cNvSpPr>
+            <a:spLocks noGrp="1"/>
+          </p:cNvSpPr>
+          <p:nvPr>
+            <p:ph type="title"/>
+          </p:nvPr>
+        </p:nvSpPr>
+        <p:spPr/>
+        <p:txBody>
+          <a:bodyPr/>
+          <a:lstStyle/>
+          <a:p>
             <a:r>
               <a:rPr lang="en-US" altLang="zh-CN" dirty="0" err="1" smtClean="0"/>
               <a:t>Kalman</a:t>
@@ -7276,7 +7591,7 @@
 </p:sld>
 </file>
 
-<file path=ppt/slides/slide5.xml><?xml version="1.0" encoding="utf-8"?>
+<file path=ppt/slides/slide6.xml><?xml version="1.0" encoding="utf-8"?>
 <p:sld xmlns:a="http://schemas.openxmlformats.org/drawingml/2006/main" xmlns:r="http://schemas.openxmlformats.org/officeDocument/2006/relationships" xmlns:p="http://schemas.openxmlformats.org/presentationml/2006/main">
   <p:cSld>
     <p:spTree>
@@ -7521,7 +7836,7 @@
 </p:sld>
 </file>
 
-<file path=ppt/slides/slide6.xml><?xml version="1.0" encoding="utf-8"?>
+<file path=ppt/slides/slide7.xml><?xml version="1.0" encoding="utf-8"?>
 <p:sld xmlns:a="http://schemas.openxmlformats.org/drawingml/2006/main" xmlns:r="http://schemas.openxmlformats.org/officeDocument/2006/relationships" xmlns:p="http://schemas.openxmlformats.org/presentationml/2006/main">
   <p:cSld>
     <p:spTree>
@@ -7698,7 +8013,7 @@
 </p:sld>
 </file>
 
-<file path=ppt/slides/slide7.xml><?xml version="1.0" encoding="utf-8"?>
+<file path=ppt/slides/slide8.xml><?xml version="1.0" encoding="utf-8"?>
 <p:sld xmlns:a="http://schemas.openxmlformats.org/drawingml/2006/main" xmlns:r="http://schemas.openxmlformats.org/officeDocument/2006/relationships" xmlns:p="http://schemas.openxmlformats.org/presentationml/2006/main">
   <p:cSld>
     <p:spTree>
@@ -7845,6 +8160,90 @@
           </a:extLst>
         </p:spPr>
       </p:pic>
+      <p:sp>
+        <p:nvSpPr>
+          <p:cNvPr id="5" name="矩形 4"/>
+          <p:cNvSpPr/>
+          <p:nvPr/>
+        </p:nvSpPr>
+        <p:spPr>
+          <a:xfrm>
+            <a:off x="5339753" y="1834785"/>
+            <a:ext cx="3400290" cy="338554"/>
+          </a:xfrm>
+          <a:prstGeom prst="rect">
+            <a:avLst/>
+          </a:prstGeom>
+        </p:spPr>
+        <p:txBody>
+          <a:bodyPr wrap="none">
+            <a:spAutoFit/>
+          </a:bodyPr>
+          <a:lstStyle/>
+          <a:p>
+            <a:r>
+              <a:rPr lang="en-US" altLang="zh-CN" sz="1600" dirty="0" err="1" smtClean="0"/>
+              <a:t>R_std</a:t>
+            </a:r>
+            <a:r>
+              <a:rPr lang="en-US" altLang="zh-CN" sz="1600" dirty="0" smtClean="0"/>
+              <a:t>: </a:t>
+            </a:r>
+            <a:r>
+              <a:rPr lang="zh-CN" altLang="en-US" sz="1600" dirty="0" smtClean="0"/>
+              <a:t>越大前向点预测的影响越大</a:t>
+            </a:r>
+            <a:endParaRPr lang="zh-CN" altLang="en-US" sz="1600" dirty="0"/>
+          </a:p>
+        </p:txBody>
+      </p:sp>
+      <p:sp>
+        <p:nvSpPr>
+          <p:cNvPr id="7" name="矩形 6"/>
+          <p:cNvSpPr/>
+          <p:nvPr/>
+        </p:nvSpPr>
+        <p:spPr>
+          <a:xfrm>
+            <a:off x="5436096" y="2325739"/>
+            <a:ext cx="2441694" cy="830997"/>
+          </a:xfrm>
+          <a:prstGeom prst="rect">
+            <a:avLst/>
+          </a:prstGeom>
+        </p:spPr>
+        <p:txBody>
+          <a:bodyPr wrap="none">
+            <a:spAutoFit/>
+          </a:bodyPr>
+          <a:lstStyle/>
+          <a:p>
+            <a:r>
+              <a:rPr lang="en-US" altLang="zh-CN" sz="1600" dirty="0" err="1"/>
+              <a:t>Q_std</a:t>
+            </a:r>
+            <a:r>
+              <a:rPr lang="en-US" altLang="zh-CN" sz="1600" dirty="0"/>
+              <a:t>: </a:t>
+            </a:r>
+            <a:r>
+              <a:rPr lang="zh-CN" altLang="en-US" sz="1600" dirty="0" smtClean="0"/>
+              <a:t>越小越平滑</a:t>
+            </a:r>
+            <a:endParaRPr lang="en-US" altLang="zh-CN" sz="1600" smtClean="0"/>
+          </a:p>
+          <a:p>
+            <a:endParaRPr lang="en-US" altLang="zh-CN" sz="1600" dirty="0" smtClean="0"/>
+          </a:p>
+          <a:p>
+            <a:r>
+              <a:rPr lang="zh-CN" altLang="en-US" sz="1600" dirty="0" smtClean="0"/>
+              <a:t>缺点：反射点不应该平滑</a:t>
+            </a:r>
+            <a:endParaRPr lang="zh-CN" altLang="en-US" sz="1600" dirty="0"/>
+          </a:p>
+        </p:txBody>
+      </p:sp>
     </p:spTree>
     <p:extLst>
       <p:ext uri="{BB962C8B-B14F-4D97-AF65-F5344CB8AC3E}">
@@ -7858,7 +8257,7 @@
 </p:sld>
 </file>
 
-<file path=ppt/slides/slide8.xml><?xml version="1.0" encoding="utf-8"?>
+<file path=ppt/slides/slide9.xml><?xml version="1.0" encoding="utf-8"?>
 <p:sld xmlns:a="http://schemas.openxmlformats.org/drawingml/2006/main" xmlns:r="http://schemas.openxmlformats.org/officeDocument/2006/relationships" xmlns:p="http://schemas.openxmlformats.org/presentationml/2006/main">
   <p:cSld>
     <p:spTree>
@@ -7968,296 +8367,6 @@
   <p:clrMapOvr>
     <a:masterClrMapping/>
   </p:clrMapOvr>
-</p:sld>
-</file>
-
-<file path=ppt/slides/slide9.xml><?xml version="1.0" encoding="utf-8"?>
-<p:sld xmlns:a="http://schemas.openxmlformats.org/drawingml/2006/main" xmlns:r="http://schemas.openxmlformats.org/officeDocument/2006/relationships" xmlns:p="http://schemas.openxmlformats.org/presentationml/2006/main">
-  <p:cSld>
-    <p:spTree>
-      <p:nvGrpSpPr>
-        <p:cNvPr id="1" name=""/>
-        <p:cNvGrpSpPr/>
-        <p:nvPr/>
-      </p:nvGrpSpPr>
-      <p:grpSpPr>
-        <a:xfrm>
-          <a:off x="0" y="0"/>
-          <a:ext cx="0" cy="0"/>
-          <a:chOff x="0" y="0"/>
-          <a:chExt cx="0" cy="0"/>
-        </a:xfrm>
-      </p:grpSpPr>
-      <p:sp>
-        <p:nvSpPr>
-          <p:cNvPr id="2" name="标题 1"/>
-          <p:cNvSpPr>
-            <a:spLocks noGrp="1"/>
-          </p:cNvSpPr>
-          <p:nvPr>
-            <p:ph type="title"/>
-          </p:nvPr>
-        </p:nvSpPr>
-        <p:spPr/>
-        <p:txBody>
-          <a:bodyPr/>
-          <a:lstStyle/>
-          <a:p>
-            <a:r>
-              <a:rPr lang="en-US" altLang="zh-CN" dirty="0" err="1"/>
-              <a:t>Kalman</a:t>
-            </a:r>
-            <a:r>
-              <a:rPr lang="en-US" altLang="zh-CN" dirty="0"/>
-              <a:t> Filter</a:t>
-            </a:r>
-            <a:endParaRPr lang="zh-CN" altLang="en-US" dirty="0"/>
-          </a:p>
-        </p:txBody>
-      </p:sp>
-      <p:sp>
-        <p:nvSpPr>
-          <p:cNvPr id="3" name="矩形 2"/>
-          <p:cNvSpPr/>
-          <p:nvPr/>
-        </p:nvSpPr>
-        <p:spPr>
-          <a:xfrm>
-            <a:off x="575556" y="843558"/>
-            <a:ext cx="8136904" cy="1477328"/>
-          </a:xfrm>
-          <a:prstGeom prst="rect">
-            <a:avLst/>
-          </a:prstGeom>
-        </p:spPr>
-        <p:txBody>
-          <a:bodyPr wrap="square">
-            <a:spAutoFit/>
-          </a:bodyPr>
-          <a:lstStyle/>
-          <a:p>
-            <a:r>
-              <a:rPr lang="en-US" altLang="zh-CN" dirty="0"/>
-              <a:t>No need to provide labeled training </a:t>
-            </a:r>
-            <a:r>
-              <a:rPr lang="en-US" altLang="zh-CN" dirty="0" smtClean="0"/>
-              <a:t>data </a:t>
-            </a:r>
-          </a:p>
-          <a:p>
-            <a:r>
-              <a:rPr lang="en-US" altLang="zh-CN" dirty="0" smtClean="0"/>
-              <a:t>Ability to handle noisy observations</a:t>
-            </a:r>
-          </a:p>
-          <a:p>
-            <a:endParaRPr lang="en-US" altLang="zh-CN" i="1" dirty="0"/>
-          </a:p>
-          <a:p>
-            <a:r>
-              <a:rPr lang="en-US" altLang="zh-CN" dirty="0"/>
-              <a:t>Apply the </a:t>
-            </a:r>
-            <a:r>
-              <a:rPr lang="en-US" altLang="zh-CN" dirty="0" err="1"/>
-              <a:t>Kalman</a:t>
-            </a:r>
-            <a:r>
-              <a:rPr lang="en-US" altLang="zh-CN" dirty="0"/>
-              <a:t> Smoother to estimate the </a:t>
-            </a:r>
-            <a:r>
-              <a:rPr lang="en-US" altLang="zh-CN" dirty="0" smtClean="0"/>
-              <a:t>hidden state </a:t>
-            </a:r>
-            <a:r>
-              <a:rPr lang="en-US" altLang="zh-CN" dirty="0"/>
-              <a:t>at </a:t>
-            </a:r>
-            <a:r>
-              <a:rPr lang="en-US" altLang="zh-CN" dirty="0" smtClean="0"/>
-              <a:t>time</a:t>
-            </a:r>
-          </a:p>
-          <a:p>
-            <a:endParaRPr lang="en-US" altLang="zh-CN" dirty="0"/>
-          </a:p>
-        </p:txBody>
-      </p:sp>
-      <p:pic>
-        <p:nvPicPr>
-          <p:cNvPr id="1026" name="Picture 2"/>
-          <p:cNvPicPr>
-            <a:picLocks noChangeAspect="1" noChangeArrowheads="1"/>
-          </p:cNvPicPr>
-          <p:nvPr/>
-        </p:nvPicPr>
-        <p:blipFill>
-          <a:blip r:embed="rId2">
-            <a:extLst>
-              <a:ext uri="{28A0092B-C50C-407E-A947-70E740481C1C}">
-                <a14:useLocalDpi xmlns:a14="http://schemas.microsoft.com/office/drawing/2010/main" val="0"/>
-              </a:ext>
-            </a:extLst>
-          </a:blip>
-          <a:srcRect/>
-          <a:stretch>
-            <a:fillRect/>
-          </a:stretch>
-        </p:blipFill>
-        <p:spPr bwMode="auto">
-          <a:xfrm>
-            <a:off x="107504" y="2247714"/>
-            <a:ext cx="4176464" cy="1937457"/>
-          </a:xfrm>
-          <a:prstGeom prst="rect">
-            <a:avLst/>
-          </a:prstGeom>
-          <a:noFill/>
-          <a:ln>
-            <a:noFill/>
-          </a:ln>
-          <a:effectLst/>
-          <a:extLst>
-            <a:ext uri="{909E8E84-426E-40DD-AFC4-6F175D3DCCD1}">
-              <a14:hiddenFill xmlns:a14="http://schemas.microsoft.com/office/drawing/2010/main">
-                <a:solidFill>
-                  <a:schemeClr val="accent1"/>
-                </a:solidFill>
-              </a14:hiddenFill>
-            </a:ext>
-            <a:ext uri="{91240B29-F687-4F45-9708-019B960494DF}">
-              <a14:hiddenLine xmlns:a14="http://schemas.microsoft.com/office/drawing/2010/main" w="9525">
-                <a:solidFill>
-                  <a:schemeClr val="tx1"/>
-                </a:solidFill>
-                <a:miter lim="800000"/>
-                <a:headEnd/>
-                <a:tailEnd/>
-              </a14:hiddenLine>
-            </a:ext>
-            <a:ext uri="{AF507438-7753-43E0-B8FC-AC1667EBCBE1}">
-              <a14:hiddenEffects xmlns:a14="http://schemas.microsoft.com/office/drawing/2010/main">
-                <a:effectLst>
-                  <a:outerShdw dist="35921" dir="2700000" algn="ctr" rotWithShape="0">
-                    <a:schemeClr val="bg2"/>
-                  </a:outerShdw>
-                </a:effectLst>
-              </a14:hiddenEffects>
-            </a:ext>
-          </a:extLst>
-        </p:spPr>
-      </p:pic>
-      <p:pic>
-        <p:nvPicPr>
-          <p:cNvPr id="1027" name="Picture 3"/>
-          <p:cNvPicPr>
-            <a:picLocks noChangeAspect="1" noChangeArrowheads="1"/>
-          </p:cNvPicPr>
-          <p:nvPr/>
-        </p:nvPicPr>
-        <p:blipFill>
-          <a:blip r:embed="rId3">
-            <a:extLst>
-              <a:ext uri="{28A0092B-C50C-407E-A947-70E740481C1C}">
-                <a14:useLocalDpi xmlns:a14="http://schemas.microsoft.com/office/drawing/2010/main" val="0"/>
-              </a:ext>
-            </a:extLst>
-          </a:blip>
-          <a:srcRect/>
-          <a:stretch>
-            <a:fillRect/>
-          </a:stretch>
-        </p:blipFill>
-        <p:spPr bwMode="auto">
-          <a:xfrm>
-            <a:off x="4467629" y="2679762"/>
-            <a:ext cx="4539323" cy="1684201"/>
-          </a:xfrm>
-          <a:prstGeom prst="rect">
-            <a:avLst/>
-          </a:prstGeom>
-          <a:noFill/>
-          <a:ln>
-            <a:noFill/>
-          </a:ln>
-          <a:effectLst/>
-          <a:extLst>
-            <a:ext uri="{909E8E84-426E-40DD-AFC4-6F175D3DCCD1}">
-              <a14:hiddenFill xmlns:a14="http://schemas.microsoft.com/office/drawing/2010/main">
-                <a:solidFill>
-                  <a:schemeClr val="accent1"/>
-                </a:solidFill>
-              </a14:hiddenFill>
-            </a:ext>
-            <a:ext uri="{91240B29-F687-4F45-9708-019B960494DF}">
-              <a14:hiddenLine xmlns:a14="http://schemas.microsoft.com/office/drawing/2010/main" w="9525">
-                <a:solidFill>
-                  <a:schemeClr val="tx1"/>
-                </a:solidFill>
-                <a:miter lim="800000"/>
-                <a:headEnd/>
-                <a:tailEnd/>
-              </a14:hiddenLine>
-            </a:ext>
-            <a:ext uri="{AF507438-7753-43E0-B8FC-AC1667EBCBE1}">
-              <a14:hiddenEffects xmlns:a14="http://schemas.microsoft.com/office/drawing/2010/main">
-                <a:effectLst>
-                  <a:outerShdw dist="35921" dir="2700000" algn="ctr" rotWithShape="0">
-                    <a:schemeClr val="bg2"/>
-                  </a:outerShdw>
-                </a:effectLst>
-              </a14:hiddenEffects>
-            </a:ext>
-          </a:extLst>
-        </p:spPr>
-      </p:pic>
-      <p:sp>
-        <p:nvSpPr>
-          <p:cNvPr id="4" name="矩形 3"/>
-          <p:cNvSpPr/>
-          <p:nvPr/>
-        </p:nvSpPr>
-        <p:spPr>
-          <a:xfrm>
-            <a:off x="4391980" y="2247714"/>
-            <a:ext cx="623889" cy="369332"/>
-          </a:xfrm>
-          <a:prstGeom prst="rect">
-            <a:avLst/>
-          </a:prstGeom>
-        </p:spPr>
-        <p:txBody>
-          <a:bodyPr wrap="none">
-            <a:spAutoFit/>
-          </a:bodyPr>
-          <a:lstStyle/>
-          <a:p>
-            <a:r>
-              <a:rPr lang="en-US" altLang="zh-CN" dirty="0"/>
-              <a:t>EKF</a:t>
-            </a:r>
-          </a:p>
-        </p:txBody>
-      </p:sp>
-    </p:spTree>
-    <p:extLst>
-      <p:ext uri="{BB962C8B-B14F-4D97-AF65-F5344CB8AC3E}">
-        <p14:creationId xmlns:p14="http://schemas.microsoft.com/office/powerpoint/2010/main" val="1573099398"/>
-      </p:ext>
-    </p:extLst>
-  </p:cSld>
-  <p:clrMapOvr>
-    <a:masterClrMapping/>
-  </p:clrMapOvr>
-  <p:timing>
-    <p:tnLst>
-      <p:par>
-        <p:cTn id="1" dur="indefinite" restart="never" nodeType="tmRoot"/>
-      </p:par>
-    </p:tnLst>
-  </p:timing>
 </p:sld>
 </file>
 

--- a/docs/wandmaker_新松机器人.pptx
+++ b/docs/wandmaker_新松机器人.pptx
@@ -124,7 +124,7 @@
   </p:defaultTextStyle>
   <p:extLst>
     <p:ext uri="{EFAFB233-063F-42B5-8137-9DF3F51BA10A}">
-      <p15:sldGuideLst xmlns:p15="http://schemas.microsoft.com/office/powerpoint/2012/main" xmlns="">
+      <p15:sldGuideLst xmlns="" xmlns:p15="http://schemas.microsoft.com/office/powerpoint/2012/main">
         <p15:guide id="1" orient="horz" pos="2160">
           <p15:clr>
             <a:srgbClr val="A4A3A4"/>
@@ -4187,6 +4187,112 @@
           <a:lstStyle/>
           <a:p>
             <a:endParaRPr lang="zh-CN" altLang="en-US"/>
+          </a:p>
+        </p:txBody>
+      </p:sp>
+      <p:pic>
+        <p:nvPicPr>
+          <p:cNvPr id="1026" name="Picture 2"/>
+          <p:cNvPicPr>
+            <a:picLocks noChangeAspect="1" noChangeArrowheads="1"/>
+          </p:cNvPicPr>
+          <p:nvPr/>
+        </p:nvPicPr>
+        <p:blipFill>
+          <a:blip r:embed="rId2">
+            <a:extLst>
+              <a:ext uri="{28A0092B-C50C-407E-A947-70E740481C1C}">
+                <a14:useLocalDpi xmlns:a14="http://schemas.microsoft.com/office/drawing/2010/main" val="0"/>
+              </a:ext>
+            </a:extLst>
+          </a:blip>
+          <a:srcRect/>
+          <a:stretch>
+            <a:fillRect/>
+          </a:stretch>
+        </p:blipFill>
+        <p:spPr bwMode="auto">
+          <a:xfrm>
+            <a:off x="215516" y="483518"/>
+            <a:ext cx="6172466" cy="4230369"/>
+          </a:xfrm>
+          <a:prstGeom prst="rect">
+            <a:avLst/>
+          </a:prstGeom>
+          <a:noFill/>
+          <a:ln>
+            <a:noFill/>
+          </a:ln>
+          <a:effectLst/>
+          <a:extLst>
+            <a:ext uri="{909E8E84-426E-40DD-AFC4-6F175D3DCCD1}">
+              <a14:hiddenFill xmlns:a14="http://schemas.microsoft.com/office/drawing/2010/main">
+                <a:solidFill>
+                  <a:schemeClr val="accent1"/>
+                </a:solidFill>
+              </a14:hiddenFill>
+            </a:ext>
+            <a:ext uri="{91240B29-F687-4F45-9708-019B960494DF}">
+              <a14:hiddenLine xmlns:a14="http://schemas.microsoft.com/office/drawing/2010/main" w="9525">
+                <a:solidFill>
+                  <a:schemeClr val="tx1"/>
+                </a:solidFill>
+                <a:miter lim="800000"/>
+                <a:headEnd/>
+                <a:tailEnd/>
+              </a14:hiddenLine>
+            </a:ext>
+            <a:ext uri="{AF507438-7753-43E0-B8FC-AC1667EBCBE1}">
+              <a14:hiddenEffects xmlns:a14="http://schemas.microsoft.com/office/drawing/2010/main">
+                <a:effectLst>
+                  <a:outerShdw dist="35921" dir="2700000" algn="ctr" rotWithShape="0">
+                    <a:schemeClr val="bg2"/>
+                  </a:outerShdw>
+                </a:effectLst>
+              </a14:hiddenEffects>
+            </a:ext>
+          </a:extLst>
+        </p:spPr>
+      </p:pic>
+      <p:sp>
+        <p:nvSpPr>
+          <p:cNvPr id="3" name="TextBox 2"/>
+          <p:cNvSpPr txBox="1"/>
+          <p:nvPr/>
+        </p:nvSpPr>
+        <p:spPr>
+          <a:xfrm>
+            <a:off x="6264188" y="1203598"/>
+            <a:ext cx="2736304" cy="461665"/>
+          </a:xfrm>
+          <a:prstGeom prst="rect">
+            <a:avLst/>
+          </a:prstGeom>
+          <a:noFill/>
+        </p:spPr>
+        <p:txBody>
+          <a:bodyPr wrap="square" rtlCol="0">
+            <a:spAutoFit/>
+          </a:bodyPr>
+          <a:lstStyle/>
+          <a:p>
+            <a:pPr marL="228600" indent="-228600">
+              <a:buFont typeface="+mj-lt"/>
+              <a:buAutoNum type="arabicPeriod"/>
+            </a:pPr>
+            <a:r>
+              <a:rPr lang="zh-CN" altLang="en-US" sz="1200" dirty="0" smtClean="0"/>
+              <a:t>反射点本身不光滑，必须分别对</a:t>
+            </a:r>
+            <a:r>
+              <a:rPr lang="en-US" altLang="zh-CN" sz="1200" dirty="0" smtClean="0"/>
+              <a:t>2</a:t>
+            </a:r>
+            <a:r>
+              <a:rPr lang="zh-CN" altLang="en-US" sz="1200" dirty="0" smtClean="0"/>
+              <a:t>段做平滑</a:t>
+            </a:r>
+            <a:endParaRPr lang="zh-CN" altLang="en-US" sz="1200" dirty="0"/>
           </a:p>
         </p:txBody>
       </p:sp>

--- a/docs/wandmaker_新松机器人.pptx
+++ b/docs/wandmaker_新松机器人.pptx
@@ -5,7 +5,7 @@
     <p:sldMasterId id="2147483661" r:id="rId1"/>
   </p:sldMasterIdLst>
   <p:notesMasterIdLst>
-    <p:notesMasterId r:id="rId18"/>
+    <p:notesMasterId r:id="rId19"/>
   </p:notesMasterIdLst>
   <p:sldIdLst>
     <p:sldId id="400" r:id="rId2"/>
@@ -20,10 +20,11 @@
     <p:sldId id="442" r:id="rId11"/>
     <p:sldId id="443" r:id="rId12"/>
     <p:sldId id="444" r:id="rId13"/>
-    <p:sldId id="440" r:id="rId14"/>
-    <p:sldId id="441" r:id="rId15"/>
-    <p:sldId id="431" r:id="rId16"/>
-    <p:sldId id="432" r:id="rId17"/>
+    <p:sldId id="450" r:id="rId14"/>
+    <p:sldId id="440" r:id="rId15"/>
+    <p:sldId id="441" r:id="rId16"/>
+    <p:sldId id="431" r:id="rId17"/>
+    <p:sldId id="432" r:id="rId18"/>
   </p:sldIdLst>
   <p:sldSz cx="9144000" cy="5143500" type="screen16x9"/>
   <p:notesSz cx="6858000" cy="9144000"/>
@@ -124,7 +125,7 @@
   </p:defaultTextStyle>
   <p:extLst>
     <p:ext uri="{EFAFB233-063F-42B5-8137-9DF3F51BA10A}">
-      <p15:sldGuideLst xmlns="" xmlns:p15="http://schemas.microsoft.com/office/powerpoint/2012/main">
+      <p15:sldGuideLst xmlns:p15="http://schemas.microsoft.com/office/powerpoint/2012/main" xmlns="">
         <p15:guide id="1" orient="horz" pos="2160">
           <p15:clr>
             <a:srgbClr val="A4A3A4"/>
@@ -4342,17 +4343,16 @@
           <a:lstStyle/>
           <a:p>
             <a:r>
-              <a:rPr lang="en-US" altLang="zh-CN" dirty="0" smtClean="0"/>
-              <a:t>Physics Modeling</a:t>
-            </a:r>
-            <a:endParaRPr lang="zh-CN" altLang="en-US" dirty="0"/>
+              <a:rPr lang="zh-CN" altLang="en-US"/>
+              <a:t>拟合</a:t>
+            </a:r>
           </a:p>
         </p:txBody>
       </p:sp>
     </p:spTree>
     <p:extLst>
       <p:ext uri="{BB962C8B-B14F-4D97-AF65-F5344CB8AC3E}">
-        <p14:creationId xmlns:p14="http://schemas.microsoft.com/office/powerpoint/2010/main" val="2330724567"/>
+        <p14:creationId xmlns:p14="http://schemas.microsoft.com/office/powerpoint/2010/main" val="3303208741"/>
       </p:ext>
     </p:extLst>
   </p:cSld>
@@ -4396,7 +4396,7 @@
           <a:p>
             <a:r>
               <a:rPr lang="en-US" altLang="zh-CN" dirty="0" smtClean="0"/>
-              <a:t>Deep learning</a:t>
+              <a:t>Physics Modeling</a:t>
             </a:r>
             <a:endParaRPr lang="zh-CN" altLang="en-US" dirty="0"/>
           </a:p>
@@ -4405,7 +4405,7 @@
     </p:spTree>
     <p:extLst>
       <p:ext uri="{BB962C8B-B14F-4D97-AF65-F5344CB8AC3E}">
-        <p14:creationId xmlns:p14="http://schemas.microsoft.com/office/powerpoint/2010/main" val="1736648137"/>
+        <p14:creationId xmlns:p14="http://schemas.microsoft.com/office/powerpoint/2010/main" val="2330724567"/>
       </p:ext>
     </p:extLst>
   </p:cSld>
@@ -4448,6 +4448,59 @@
           <a:lstStyle/>
           <a:p>
             <a:r>
+              <a:rPr lang="en-US" altLang="zh-CN" dirty="0" smtClean="0"/>
+              <a:t>Deep learning</a:t>
+            </a:r>
+            <a:endParaRPr lang="zh-CN" altLang="en-US" dirty="0"/>
+          </a:p>
+        </p:txBody>
+      </p:sp>
+    </p:spTree>
+    <p:extLst>
+      <p:ext uri="{BB962C8B-B14F-4D97-AF65-F5344CB8AC3E}">
+        <p14:creationId xmlns:p14="http://schemas.microsoft.com/office/powerpoint/2010/main" val="1736648137"/>
+      </p:ext>
+    </p:extLst>
+  </p:cSld>
+  <p:clrMapOvr>
+    <a:masterClrMapping/>
+  </p:clrMapOvr>
+</p:sld>
+</file>
+
+<file path=ppt/slides/slide16.xml><?xml version="1.0" encoding="utf-8"?>
+<p:sld xmlns:a="http://schemas.openxmlformats.org/drawingml/2006/main" xmlns:r="http://schemas.openxmlformats.org/officeDocument/2006/relationships" xmlns:p="http://schemas.openxmlformats.org/presentationml/2006/main">
+  <p:cSld>
+    <p:spTree>
+      <p:nvGrpSpPr>
+        <p:cNvPr id="1" name=""/>
+        <p:cNvGrpSpPr/>
+        <p:nvPr/>
+      </p:nvGrpSpPr>
+      <p:grpSpPr>
+        <a:xfrm>
+          <a:off x="0" y="0"/>
+          <a:ext cx="0" cy="0"/>
+          <a:chOff x="0" y="0"/>
+          <a:chExt cx="0" cy="0"/>
+        </a:xfrm>
+      </p:grpSpPr>
+      <p:sp>
+        <p:nvSpPr>
+          <p:cNvPr id="2" name="标题 1"/>
+          <p:cNvSpPr>
+            <a:spLocks noGrp="1"/>
+          </p:cNvSpPr>
+          <p:nvPr>
+            <p:ph type="title"/>
+          </p:nvPr>
+        </p:nvSpPr>
+        <p:spPr/>
+        <p:txBody>
+          <a:bodyPr/>
+          <a:lstStyle/>
+          <a:p>
+            <a:r>
               <a:rPr lang="zh-CN" altLang="en-US" dirty="0" smtClean="0"/>
               <a:t>总结</a:t>
             </a:r>
@@ -4531,7 +4584,7 @@
 </p:sld>
 </file>
 
-<file path=ppt/slides/slide16.xml><?xml version="1.0" encoding="utf-8"?>
+<file path=ppt/slides/slide17.xml><?xml version="1.0" encoding="utf-8"?>
 <p:sld xmlns:a="http://schemas.openxmlformats.org/drawingml/2006/main" xmlns:r="http://schemas.openxmlformats.org/officeDocument/2006/relationships" xmlns:p="http://schemas.openxmlformats.org/presentationml/2006/main">
   <p:cSld>
     <p:spTree>

--- a/docs/wandmaker_新松机器人.pptx
+++ b/docs/wandmaker_新松机器人.pptx
@@ -5,26 +5,28 @@
     <p:sldMasterId id="2147483661" r:id="rId1"/>
   </p:sldMasterIdLst>
   <p:notesMasterIdLst>
-    <p:notesMasterId r:id="rId19"/>
+    <p:notesMasterId r:id="rId21"/>
   </p:notesMasterIdLst>
   <p:sldIdLst>
     <p:sldId id="400" r:id="rId2"/>
     <p:sldId id="430" r:id="rId3"/>
     <p:sldId id="429" r:id="rId4"/>
-    <p:sldId id="449" r:id="rId5"/>
-    <p:sldId id="439" r:id="rId6"/>
-    <p:sldId id="445" r:id="rId7"/>
-    <p:sldId id="447" r:id="rId8"/>
-    <p:sldId id="448" r:id="rId9"/>
-    <p:sldId id="446" r:id="rId10"/>
-    <p:sldId id="442" r:id="rId11"/>
-    <p:sldId id="443" r:id="rId12"/>
-    <p:sldId id="444" r:id="rId13"/>
-    <p:sldId id="450" r:id="rId14"/>
-    <p:sldId id="440" r:id="rId15"/>
-    <p:sldId id="441" r:id="rId16"/>
-    <p:sldId id="431" r:id="rId17"/>
-    <p:sldId id="432" r:id="rId18"/>
+    <p:sldId id="452" r:id="rId5"/>
+    <p:sldId id="449" r:id="rId6"/>
+    <p:sldId id="439" r:id="rId7"/>
+    <p:sldId id="445" r:id="rId8"/>
+    <p:sldId id="447" r:id="rId9"/>
+    <p:sldId id="448" r:id="rId10"/>
+    <p:sldId id="446" r:id="rId11"/>
+    <p:sldId id="442" r:id="rId12"/>
+    <p:sldId id="443" r:id="rId13"/>
+    <p:sldId id="444" r:id="rId14"/>
+    <p:sldId id="450" r:id="rId15"/>
+    <p:sldId id="440" r:id="rId16"/>
+    <p:sldId id="451" r:id="rId17"/>
+    <p:sldId id="441" r:id="rId18"/>
+    <p:sldId id="431" r:id="rId19"/>
+    <p:sldId id="432" r:id="rId20"/>
   </p:sldIdLst>
   <p:sldSz cx="9144000" cy="5143500" type="screen16x9"/>
   <p:notesSz cx="6858000" cy="9144000"/>
@@ -125,7 +127,7 @@
   </p:defaultTextStyle>
   <p:extLst>
     <p:ext uri="{EFAFB233-063F-42B5-8137-9DF3F51BA10A}">
-      <p15:sldGuideLst xmlns:p15="http://schemas.microsoft.com/office/powerpoint/2012/main" xmlns="">
+      <p15:sldGuideLst xmlns="" xmlns:p15="http://schemas.microsoft.com/office/powerpoint/2012/main">
         <p15:guide id="1" orient="horz" pos="2160">
           <p15:clr>
             <a:srgbClr val="A4A3A4"/>
@@ -3720,6 +3722,119 @@
           <a:bodyPr/>
           <a:lstStyle/>
           <a:p>
+            <a:endParaRPr lang="zh-CN" altLang="en-US"/>
+          </a:p>
+        </p:txBody>
+      </p:sp>
+      <p:pic>
+        <p:nvPicPr>
+          <p:cNvPr id="2050" name="Picture 2"/>
+          <p:cNvPicPr>
+            <a:picLocks noChangeAspect="1" noChangeArrowheads="1"/>
+          </p:cNvPicPr>
+          <p:nvPr/>
+        </p:nvPicPr>
+        <p:blipFill>
+          <a:blip r:embed="rId2">
+            <a:extLst>
+              <a:ext uri="{28A0092B-C50C-407E-A947-70E740481C1C}">
+                <a14:useLocalDpi xmlns:a14="http://schemas.microsoft.com/office/drawing/2010/main" val="0"/>
+              </a:ext>
+            </a:extLst>
+          </a:blip>
+          <a:srcRect/>
+          <a:stretch>
+            <a:fillRect/>
+          </a:stretch>
+        </p:blipFill>
+        <p:spPr bwMode="auto">
+          <a:xfrm>
+            <a:off x="71500" y="375506"/>
+            <a:ext cx="6191250" cy="4619625"/>
+          </a:xfrm>
+          <a:prstGeom prst="rect">
+            <a:avLst/>
+          </a:prstGeom>
+          <a:noFill/>
+          <a:ln>
+            <a:noFill/>
+          </a:ln>
+          <a:effectLst/>
+          <a:extLst>
+            <a:ext uri="{909E8E84-426E-40DD-AFC4-6F175D3DCCD1}">
+              <a14:hiddenFill xmlns:a14="http://schemas.microsoft.com/office/drawing/2010/main">
+                <a:solidFill>
+                  <a:schemeClr val="accent1"/>
+                </a:solidFill>
+              </a14:hiddenFill>
+            </a:ext>
+            <a:ext uri="{91240B29-F687-4F45-9708-019B960494DF}">
+              <a14:hiddenLine xmlns:a14="http://schemas.microsoft.com/office/drawing/2010/main" w="9525">
+                <a:solidFill>
+                  <a:schemeClr val="tx1"/>
+                </a:solidFill>
+                <a:miter lim="800000"/>
+                <a:headEnd/>
+                <a:tailEnd/>
+              </a14:hiddenLine>
+            </a:ext>
+            <a:ext uri="{AF507438-7753-43E0-B8FC-AC1667EBCBE1}">
+              <a14:hiddenEffects xmlns:a14="http://schemas.microsoft.com/office/drawing/2010/main">
+                <a:effectLst>
+                  <a:outerShdw dist="35921" dir="2700000" algn="ctr" rotWithShape="0">
+                    <a:schemeClr val="bg2"/>
+                  </a:outerShdw>
+                </a:effectLst>
+              </a14:hiddenEffects>
+            </a:ext>
+          </a:extLst>
+        </p:spPr>
+      </p:pic>
+    </p:spTree>
+    <p:extLst>
+      <p:ext uri="{BB962C8B-B14F-4D97-AF65-F5344CB8AC3E}">
+        <p14:creationId xmlns:p14="http://schemas.microsoft.com/office/powerpoint/2010/main" val="4176187032"/>
+      </p:ext>
+    </p:extLst>
+  </p:cSld>
+  <p:clrMapOvr>
+    <a:masterClrMapping/>
+  </p:clrMapOvr>
+</p:sld>
+</file>
+
+<file path=ppt/slides/slide11.xml><?xml version="1.0" encoding="utf-8"?>
+<p:sld xmlns:a="http://schemas.openxmlformats.org/drawingml/2006/main" xmlns:r="http://schemas.openxmlformats.org/officeDocument/2006/relationships" xmlns:p="http://schemas.openxmlformats.org/presentationml/2006/main">
+  <p:cSld>
+    <p:spTree>
+      <p:nvGrpSpPr>
+        <p:cNvPr id="1" name=""/>
+        <p:cNvGrpSpPr/>
+        <p:nvPr/>
+      </p:nvGrpSpPr>
+      <p:grpSpPr>
+        <a:xfrm>
+          <a:off x="0" y="0"/>
+          <a:ext cx="0" cy="0"/>
+          <a:chOff x="0" y="0"/>
+          <a:chExt cx="0" cy="0"/>
+        </a:xfrm>
+      </p:grpSpPr>
+      <p:sp>
+        <p:nvSpPr>
+          <p:cNvPr id="2" name="标题 1"/>
+          <p:cNvSpPr>
+            <a:spLocks noGrp="1"/>
+          </p:cNvSpPr>
+          <p:nvPr>
+            <p:ph type="title"/>
+          </p:nvPr>
+        </p:nvSpPr>
+        <p:spPr/>
+        <p:txBody>
+          <a:bodyPr/>
+          <a:lstStyle/>
+          <a:p>
             <a:r>
               <a:rPr lang="en-US" altLang="zh-CN" dirty="0" err="1"/>
               <a:t>Kalman</a:t>
@@ -3978,7 +4093,7 @@
 </p:sld>
 </file>
 
-<file path=ppt/slides/slide11.xml><?xml version="1.0" encoding="utf-8"?>
+<file path=ppt/slides/slide12.xml><?xml version="1.0" encoding="utf-8"?>
 <p:sld xmlns:a="http://schemas.openxmlformats.org/drawingml/2006/main" xmlns:r="http://schemas.openxmlformats.org/officeDocument/2006/relationships" xmlns:p="http://schemas.openxmlformats.org/presentationml/2006/main">
   <p:cSld>
     <p:spTree>
@@ -4155,7 +4270,7 @@
 </p:sld>
 </file>
 
-<file path=ppt/slides/slide12.xml><?xml version="1.0" encoding="utf-8"?>
+<file path=ppt/slides/slide13.xml><?xml version="1.0" encoding="utf-8"?>
 <p:sld xmlns:a="http://schemas.openxmlformats.org/drawingml/2006/main" xmlns:r="http://schemas.openxmlformats.org/officeDocument/2006/relationships" xmlns:p="http://schemas.openxmlformats.org/presentationml/2006/main">
   <p:cSld>
     <p:spTree>
@@ -4310,58 +4425,6 @@
 </p:sld>
 </file>
 
-<file path=ppt/slides/slide13.xml><?xml version="1.0" encoding="utf-8"?>
-<p:sld xmlns:a="http://schemas.openxmlformats.org/drawingml/2006/main" xmlns:r="http://schemas.openxmlformats.org/officeDocument/2006/relationships" xmlns:p="http://schemas.openxmlformats.org/presentationml/2006/main">
-  <p:cSld>
-    <p:spTree>
-      <p:nvGrpSpPr>
-        <p:cNvPr id="1" name=""/>
-        <p:cNvGrpSpPr/>
-        <p:nvPr/>
-      </p:nvGrpSpPr>
-      <p:grpSpPr>
-        <a:xfrm>
-          <a:off x="0" y="0"/>
-          <a:ext cx="0" cy="0"/>
-          <a:chOff x="0" y="0"/>
-          <a:chExt cx="0" cy="0"/>
-        </a:xfrm>
-      </p:grpSpPr>
-      <p:sp>
-        <p:nvSpPr>
-          <p:cNvPr id="2" name="标题 1"/>
-          <p:cNvSpPr>
-            <a:spLocks noGrp="1"/>
-          </p:cNvSpPr>
-          <p:nvPr>
-            <p:ph type="title"/>
-          </p:nvPr>
-        </p:nvSpPr>
-        <p:spPr/>
-        <p:txBody>
-          <a:bodyPr/>
-          <a:lstStyle/>
-          <a:p>
-            <a:r>
-              <a:rPr lang="zh-CN" altLang="en-US"/>
-              <a:t>拟合</a:t>
-            </a:r>
-          </a:p>
-        </p:txBody>
-      </p:sp>
-    </p:spTree>
-    <p:extLst>
-      <p:ext uri="{BB962C8B-B14F-4D97-AF65-F5344CB8AC3E}">
-        <p14:creationId xmlns:p14="http://schemas.microsoft.com/office/powerpoint/2010/main" val="3303208741"/>
-      </p:ext>
-    </p:extLst>
-  </p:cSld>
-  <p:clrMapOvr>
-    <a:masterClrMapping/>
-  </p:clrMapOvr>
-</p:sld>
-</file>
-
 <file path=ppt/slides/slide14.xml><?xml version="1.0" encoding="utf-8"?>
 <p:sld xmlns:a="http://schemas.openxmlformats.org/drawingml/2006/main" xmlns:r="http://schemas.openxmlformats.org/officeDocument/2006/relationships" xmlns:p="http://schemas.openxmlformats.org/presentationml/2006/main">
   <p:cSld>
@@ -4395,17 +4458,16 @@
           <a:lstStyle/>
           <a:p>
             <a:r>
-              <a:rPr lang="en-US" altLang="zh-CN" dirty="0" smtClean="0"/>
-              <a:t>Physics Modeling</a:t>
-            </a:r>
-            <a:endParaRPr lang="zh-CN" altLang="en-US" dirty="0"/>
+              <a:rPr lang="zh-CN" altLang="en-US"/>
+              <a:t>拟合</a:t>
+            </a:r>
           </a:p>
         </p:txBody>
       </p:sp>
     </p:spTree>
     <p:extLst>
       <p:ext uri="{BB962C8B-B14F-4D97-AF65-F5344CB8AC3E}">
-        <p14:creationId xmlns:p14="http://schemas.microsoft.com/office/powerpoint/2010/main" val="2330724567"/>
+        <p14:creationId xmlns:p14="http://schemas.microsoft.com/office/powerpoint/2010/main" val="3303208741"/>
       </p:ext>
     </p:extLst>
   </p:cSld>
@@ -4449,7 +4511,7 @@
           <a:p>
             <a:r>
               <a:rPr lang="en-US" altLang="zh-CN" dirty="0" smtClean="0"/>
-              <a:t>Deep learning</a:t>
+              <a:t>Physics Modeling</a:t>
             </a:r>
             <a:endParaRPr lang="zh-CN" altLang="en-US" dirty="0"/>
           </a:p>
@@ -4458,7 +4520,7 @@
     </p:spTree>
     <p:extLst>
       <p:ext uri="{BB962C8B-B14F-4D97-AF65-F5344CB8AC3E}">
-        <p14:creationId xmlns:p14="http://schemas.microsoft.com/office/powerpoint/2010/main" val="1736648137"/>
+        <p14:creationId xmlns:p14="http://schemas.microsoft.com/office/powerpoint/2010/main" val="2330724567"/>
       </p:ext>
     </p:extLst>
   </p:cSld>
@@ -4500,6 +4562,172 @@
           <a:bodyPr/>
           <a:lstStyle/>
           <a:p>
+            <a:endParaRPr lang="zh-CN" altLang="en-US"/>
+          </a:p>
+        </p:txBody>
+      </p:sp>
+      <p:pic>
+        <p:nvPicPr>
+          <p:cNvPr id="4" name="Picture 3"/>
+          <p:cNvPicPr>
+            <a:picLocks noChangeAspect="1" noChangeArrowheads="1"/>
+          </p:cNvPicPr>
+          <p:nvPr/>
+        </p:nvPicPr>
+        <p:blipFill>
+          <a:blip r:embed="rId2">
+            <a:extLst>
+              <a:ext uri="{28A0092B-C50C-407E-A947-70E740481C1C}">
+                <a14:useLocalDpi xmlns:a14="http://schemas.microsoft.com/office/drawing/2010/main" val="0"/>
+              </a:ext>
+            </a:extLst>
+          </a:blip>
+          <a:srcRect/>
+          <a:stretch>
+            <a:fillRect/>
+          </a:stretch>
+        </p:blipFill>
+        <p:spPr bwMode="auto">
+          <a:xfrm>
+            <a:off x="6303020" y="411510"/>
+            <a:ext cx="2659322" cy="4673960"/>
+          </a:xfrm>
+          <a:prstGeom prst="rect">
+            <a:avLst/>
+          </a:prstGeom>
+          <a:noFill/>
+          <a:ln>
+            <a:noFill/>
+          </a:ln>
+          <a:effectLst/>
+          <a:extLst>
+            <a:ext uri="{909E8E84-426E-40DD-AFC4-6F175D3DCCD1}">
+              <a14:hiddenFill xmlns:a14="http://schemas.microsoft.com/office/drawing/2010/main">
+                <a:solidFill>
+                  <a:schemeClr val="accent1"/>
+                </a:solidFill>
+              </a14:hiddenFill>
+            </a:ext>
+            <a:ext uri="{91240B29-F687-4F45-9708-019B960494DF}">
+              <a14:hiddenLine xmlns:a14="http://schemas.microsoft.com/office/drawing/2010/main" w="9525">
+                <a:solidFill>
+                  <a:schemeClr val="tx1"/>
+                </a:solidFill>
+                <a:miter lim="800000"/>
+                <a:headEnd/>
+                <a:tailEnd/>
+              </a14:hiddenLine>
+            </a:ext>
+            <a:ext uri="{AF507438-7753-43E0-B8FC-AC1667EBCBE1}">
+              <a14:hiddenEffects xmlns:a14="http://schemas.microsoft.com/office/drawing/2010/main">
+                <a:effectLst>
+                  <a:outerShdw dist="35921" dir="2700000" algn="ctr" rotWithShape="0">
+                    <a:schemeClr val="bg2"/>
+                  </a:outerShdw>
+                </a:effectLst>
+              </a14:hiddenEffects>
+            </a:ext>
+          </a:extLst>
+        </p:spPr>
+      </p:pic>
+    </p:spTree>
+    <p:extLst>
+      <p:ext uri="{BB962C8B-B14F-4D97-AF65-F5344CB8AC3E}">
+        <p14:creationId xmlns:p14="http://schemas.microsoft.com/office/powerpoint/2010/main" val="3331293046"/>
+      </p:ext>
+    </p:extLst>
+  </p:cSld>
+  <p:clrMapOvr>
+    <a:masterClrMapping/>
+  </p:clrMapOvr>
+</p:sld>
+</file>
+
+<file path=ppt/slides/slide17.xml><?xml version="1.0" encoding="utf-8"?>
+<p:sld xmlns:a="http://schemas.openxmlformats.org/drawingml/2006/main" xmlns:r="http://schemas.openxmlformats.org/officeDocument/2006/relationships" xmlns:p="http://schemas.openxmlformats.org/presentationml/2006/main">
+  <p:cSld>
+    <p:spTree>
+      <p:nvGrpSpPr>
+        <p:cNvPr id="1" name=""/>
+        <p:cNvGrpSpPr/>
+        <p:nvPr/>
+      </p:nvGrpSpPr>
+      <p:grpSpPr>
+        <a:xfrm>
+          <a:off x="0" y="0"/>
+          <a:ext cx="0" cy="0"/>
+          <a:chOff x="0" y="0"/>
+          <a:chExt cx="0" cy="0"/>
+        </a:xfrm>
+      </p:grpSpPr>
+      <p:sp>
+        <p:nvSpPr>
+          <p:cNvPr id="2" name="标题 1"/>
+          <p:cNvSpPr>
+            <a:spLocks noGrp="1"/>
+          </p:cNvSpPr>
+          <p:nvPr>
+            <p:ph type="title"/>
+          </p:nvPr>
+        </p:nvSpPr>
+        <p:spPr/>
+        <p:txBody>
+          <a:bodyPr/>
+          <a:lstStyle/>
+          <a:p>
+            <a:r>
+              <a:rPr lang="en-US" altLang="zh-CN" dirty="0" smtClean="0"/>
+              <a:t>Deep learning</a:t>
+            </a:r>
+            <a:endParaRPr lang="zh-CN" altLang="en-US" dirty="0"/>
+          </a:p>
+        </p:txBody>
+      </p:sp>
+    </p:spTree>
+    <p:extLst>
+      <p:ext uri="{BB962C8B-B14F-4D97-AF65-F5344CB8AC3E}">
+        <p14:creationId xmlns:p14="http://schemas.microsoft.com/office/powerpoint/2010/main" val="1736648137"/>
+      </p:ext>
+    </p:extLst>
+  </p:cSld>
+  <p:clrMapOvr>
+    <a:masterClrMapping/>
+  </p:clrMapOvr>
+</p:sld>
+</file>
+
+<file path=ppt/slides/slide18.xml><?xml version="1.0" encoding="utf-8"?>
+<p:sld xmlns:a="http://schemas.openxmlformats.org/drawingml/2006/main" xmlns:r="http://schemas.openxmlformats.org/officeDocument/2006/relationships" xmlns:p="http://schemas.openxmlformats.org/presentationml/2006/main">
+  <p:cSld>
+    <p:spTree>
+      <p:nvGrpSpPr>
+        <p:cNvPr id="1" name=""/>
+        <p:cNvGrpSpPr/>
+        <p:nvPr/>
+      </p:nvGrpSpPr>
+      <p:grpSpPr>
+        <a:xfrm>
+          <a:off x="0" y="0"/>
+          <a:ext cx="0" cy="0"/>
+          <a:chOff x="0" y="0"/>
+          <a:chExt cx="0" cy="0"/>
+        </a:xfrm>
+      </p:grpSpPr>
+      <p:sp>
+        <p:nvSpPr>
+          <p:cNvPr id="2" name="标题 1"/>
+          <p:cNvSpPr>
+            <a:spLocks noGrp="1"/>
+          </p:cNvSpPr>
+          <p:nvPr>
+            <p:ph type="title"/>
+          </p:nvPr>
+        </p:nvSpPr>
+        <p:spPr/>
+        <p:txBody>
+          <a:bodyPr/>
+          <a:lstStyle/>
+          <a:p>
             <a:r>
               <a:rPr lang="zh-CN" altLang="en-US" dirty="0" smtClean="0"/>
               <a:t>总结</a:t>
@@ -4584,7 +4812,7 @@
 </p:sld>
 </file>
 
-<file path=ppt/slides/slide17.xml><?xml version="1.0" encoding="utf-8"?>
+<file path=ppt/slides/slide19.xml><?xml version="1.0" encoding="utf-8"?>
 <p:sld xmlns:a="http://schemas.openxmlformats.org/drawingml/2006/main" xmlns:r="http://schemas.openxmlformats.org/officeDocument/2006/relationships" xmlns:p="http://schemas.openxmlformats.org/presentationml/2006/main">
   <p:cSld>
     <p:spTree>
@@ -7177,8 +7405,72 @@
         </p:blipFill>
         <p:spPr bwMode="auto">
           <a:xfrm>
-            <a:off x="1972693" y="1633905"/>
+            <a:off x="287524" y="1633905"/>
             <a:ext cx="4976546" cy="2519594"/>
+          </a:xfrm>
+          <a:prstGeom prst="rect">
+            <a:avLst/>
+          </a:prstGeom>
+          <a:noFill/>
+          <a:ln>
+            <a:noFill/>
+          </a:ln>
+          <a:effectLst/>
+          <a:extLst>
+            <a:ext uri="{909E8E84-426E-40DD-AFC4-6F175D3DCCD1}">
+              <a14:hiddenFill xmlns:a14="http://schemas.microsoft.com/office/drawing/2010/main">
+                <a:solidFill>
+                  <a:schemeClr val="accent1"/>
+                </a:solidFill>
+              </a14:hiddenFill>
+            </a:ext>
+            <a:ext uri="{91240B29-F687-4F45-9708-019B960494DF}">
+              <a14:hiddenLine xmlns:a14="http://schemas.microsoft.com/office/drawing/2010/main" w="9525">
+                <a:solidFill>
+                  <a:schemeClr val="tx1"/>
+                </a:solidFill>
+                <a:miter lim="800000"/>
+                <a:headEnd/>
+                <a:tailEnd/>
+              </a14:hiddenLine>
+            </a:ext>
+            <a:ext uri="{AF507438-7753-43E0-B8FC-AC1667EBCBE1}">
+              <a14:hiddenEffects xmlns:a14="http://schemas.microsoft.com/office/drawing/2010/main">
+                <a:effectLst>
+                  <a:outerShdw dist="35921" dir="2700000" algn="ctr" rotWithShape="0">
+                    <a:schemeClr val="bg2"/>
+                  </a:outerShdw>
+                </a:effectLst>
+              </a14:hiddenEffects>
+            </a:ext>
+          </a:extLst>
+        </p:spPr>
+      </p:pic>
+      <p:pic>
+        <p:nvPicPr>
+          <p:cNvPr id="6" name="Picture 2"/>
+          <p:cNvPicPr>
+            <a:picLocks noChangeAspect="1" noChangeArrowheads="1"/>
+          </p:cNvPicPr>
+          <p:nvPr/>
+        </p:nvPicPr>
+        <p:blipFill>
+          <a:blip r:embed="rId4">
+            <a:extLst>
+              <a:ext uri="{28A0092B-C50C-407E-A947-70E740481C1C}">
+                <a14:useLocalDpi xmlns:a14="http://schemas.microsoft.com/office/drawing/2010/main" val="0"/>
+              </a:ext>
+            </a:extLst>
+          </a:blip>
+          <a:srcRect/>
+          <a:stretch>
+            <a:fillRect/>
+          </a:stretch>
+        </p:blipFill>
+        <p:spPr bwMode="auto">
+          <a:xfrm>
+            <a:off x="5554103" y="1384256"/>
+            <a:ext cx="3417797" cy="3167714"/>
           </a:xfrm>
           <a:prstGeom prst="rect">
             <a:avLst/>
@@ -7277,6 +7569,119 @@
           </a:p>
         </p:txBody>
       </p:sp>
+      <p:pic>
+        <p:nvPicPr>
+          <p:cNvPr id="18" name="Picture 3"/>
+          <p:cNvPicPr>
+            <a:picLocks noChangeAspect="1" noChangeArrowheads="1"/>
+          </p:cNvPicPr>
+          <p:nvPr/>
+        </p:nvPicPr>
+        <p:blipFill>
+          <a:blip r:embed="rId2">
+            <a:extLst>
+              <a:ext uri="{28A0092B-C50C-407E-A947-70E740481C1C}">
+                <a14:useLocalDpi xmlns:a14="http://schemas.microsoft.com/office/drawing/2010/main" val="0"/>
+              </a:ext>
+            </a:extLst>
+          </a:blip>
+          <a:srcRect/>
+          <a:stretch>
+            <a:fillRect/>
+          </a:stretch>
+        </p:blipFill>
+        <p:spPr bwMode="auto">
+          <a:xfrm>
+            <a:off x="611560" y="591530"/>
+            <a:ext cx="7960825" cy="4320480"/>
+          </a:xfrm>
+          <a:prstGeom prst="rect">
+            <a:avLst/>
+          </a:prstGeom>
+          <a:noFill/>
+          <a:ln>
+            <a:noFill/>
+          </a:ln>
+          <a:effectLst/>
+          <a:extLst>
+            <a:ext uri="{909E8E84-426E-40DD-AFC4-6F175D3DCCD1}">
+              <a14:hiddenFill xmlns:a14="http://schemas.microsoft.com/office/drawing/2010/main">
+                <a:solidFill>
+                  <a:schemeClr val="accent1"/>
+                </a:solidFill>
+              </a14:hiddenFill>
+            </a:ext>
+            <a:ext uri="{91240B29-F687-4F45-9708-019B960494DF}">
+              <a14:hiddenLine xmlns:a14="http://schemas.microsoft.com/office/drawing/2010/main" w="9525">
+                <a:solidFill>
+                  <a:schemeClr val="tx1"/>
+                </a:solidFill>
+                <a:miter lim="800000"/>
+                <a:headEnd/>
+                <a:tailEnd/>
+              </a14:hiddenLine>
+            </a:ext>
+            <a:ext uri="{AF507438-7753-43E0-B8FC-AC1667EBCBE1}">
+              <a14:hiddenEffects xmlns:a14="http://schemas.microsoft.com/office/drawing/2010/main">
+                <a:effectLst>
+                  <a:outerShdw dist="35921" dir="2700000" algn="ctr" rotWithShape="0">
+                    <a:schemeClr val="bg2"/>
+                  </a:outerShdw>
+                </a:effectLst>
+              </a14:hiddenEffects>
+            </a:ext>
+          </a:extLst>
+        </p:spPr>
+      </p:pic>
+    </p:spTree>
+    <p:extLst>
+      <p:ext uri="{BB962C8B-B14F-4D97-AF65-F5344CB8AC3E}">
+        <p14:creationId xmlns:p14="http://schemas.microsoft.com/office/powerpoint/2010/main" val="1491575936"/>
+      </p:ext>
+    </p:extLst>
+  </p:cSld>
+  <p:clrMapOvr>
+    <a:masterClrMapping/>
+  </p:clrMapOvr>
+</p:sld>
+</file>
+
+<file path=ppt/slides/slide5.xml><?xml version="1.0" encoding="utf-8"?>
+<p:sld xmlns:a="http://schemas.openxmlformats.org/drawingml/2006/main" xmlns:r="http://schemas.openxmlformats.org/officeDocument/2006/relationships" xmlns:p="http://schemas.openxmlformats.org/presentationml/2006/main">
+  <p:cSld>
+    <p:spTree>
+      <p:nvGrpSpPr>
+        <p:cNvPr id="1" name=""/>
+        <p:cNvGrpSpPr/>
+        <p:nvPr/>
+      </p:nvGrpSpPr>
+      <p:grpSpPr>
+        <a:xfrm>
+          <a:off x="0" y="0"/>
+          <a:ext cx="0" cy="0"/>
+          <a:chOff x="0" y="0"/>
+          <a:chExt cx="0" cy="0"/>
+        </a:xfrm>
+      </p:grpSpPr>
+      <p:sp>
+        <p:nvSpPr>
+          <p:cNvPr id="2" name="标题 1"/>
+          <p:cNvSpPr>
+            <a:spLocks noGrp="1"/>
+          </p:cNvSpPr>
+          <p:nvPr>
+            <p:ph type="title"/>
+          </p:nvPr>
+        </p:nvSpPr>
+        <p:spPr/>
+        <p:txBody>
+          <a:bodyPr/>
+          <a:lstStyle/>
+          <a:p>
+            <a:endParaRPr lang="zh-CN" altLang="en-US"/>
+          </a:p>
+        </p:txBody>
+      </p:sp>
       <p:sp>
         <p:nvSpPr>
           <p:cNvPr id="3" name="矩形 2"/>
@@ -7344,6 +7749,70 @@
           </a:p>
         </p:txBody>
       </p:sp>
+      <p:pic>
+        <p:nvPicPr>
+          <p:cNvPr id="4" name="Picture 2"/>
+          <p:cNvPicPr>
+            <a:picLocks noChangeAspect="1" noChangeArrowheads="1"/>
+          </p:cNvPicPr>
+          <p:nvPr/>
+        </p:nvPicPr>
+        <p:blipFill>
+          <a:blip r:embed="rId2">
+            <a:extLst>
+              <a:ext uri="{28A0092B-C50C-407E-A947-70E740481C1C}">
+                <a14:useLocalDpi xmlns:a14="http://schemas.microsoft.com/office/drawing/2010/main" val="0"/>
+              </a:ext>
+            </a:extLst>
+          </a:blip>
+          <a:srcRect/>
+          <a:stretch>
+            <a:fillRect/>
+          </a:stretch>
+        </p:blipFill>
+        <p:spPr bwMode="auto">
+          <a:xfrm>
+            <a:off x="5580112" y="10285"/>
+            <a:ext cx="3564396" cy="5122699"/>
+          </a:xfrm>
+          <a:prstGeom prst="rect">
+            <a:avLst/>
+          </a:prstGeom>
+          <a:noFill/>
+          <a:ln>
+            <a:noFill/>
+          </a:ln>
+          <a:effectLst/>
+          <a:extLst>
+            <a:ext uri="{909E8E84-426E-40DD-AFC4-6F175D3DCCD1}">
+              <a14:hiddenFill xmlns:a14="http://schemas.microsoft.com/office/drawing/2010/main">
+                <a:solidFill>
+                  <a:schemeClr val="accent1"/>
+                </a:solidFill>
+              </a14:hiddenFill>
+            </a:ext>
+            <a:ext uri="{91240B29-F687-4F45-9708-019B960494DF}">
+              <a14:hiddenLine xmlns:a14="http://schemas.microsoft.com/office/drawing/2010/main" w="9525">
+                <a:solidFill>
+                  <a:schemeClr val="tx1"/>
+                </a:solidFill>
+                <a:miter lim="800000"/>
+                <a:headEnd/>
+                <a:tailEnd/>
+              </a14:hiddenLine>
+            </a:ext>
+            <a:ext uri="{AF507438-7753-43E0-B8FC-AC1667EBCBE1}">
+              <a14:hiddenEffects xmlns:a14="http://schemas.microsoft.com/office/drawing/2010/main">
+                <a:effectLst>
+                  <a:outerShdw dist="35921" dir="2700000" algn="ctr" rotWithShape="0">
+                    <a:schemeClr val="bg2"/>
+                  </a:outerShdw>
+                </a:effectLst>
+              </a14:hiddenEffects>
+            </a:ext>
+          </a:extLst>
+        </p:spPr>
+      </p:pic>
     </p:spTree>
     <p:extLst>
       <p:ext uri="{BB962C8B-B14F-4D97-AF65-F5344CB8AC3E}">
@@ -7354,10 +7823,17 @@
   <p:clrMapOvr>
     <a:masterClrMapping/>
   </p:clrMapOvr>
+  <p:timing>
+    <p:tnLst>
+      <p:par>
+        <p:cTn id="1" dur="indefinite" restart="never" nodeType="tmRoot"/>
+      </p:par>
+    </p:tnLst>
+  </p:timing>
 </p:sld>
 </file>
 
-<file path=ppt/slides/slide5.xml><?xml version="1.0" encoding="utf-8"?>
+<file path=ppt/slides/slide6.xml><?xml version="1.0" encoding="utf-8"?>
 <p:sld xmlns:a="http://schemas.openxmlformats.org/drawingml/2006/main" xmlns:r="http://schemas.openxmlformats.org/officeDocument/2006/relationships" xmlns:p="http://schemas.openxmlformats.org/presentationml/2006/main">
   <p:cSld>
     <p:spTree>
@@ -7750,7 +8226,7 @@
 </p:sld>
 </file>
 
-<file path=ppt/slides/slide6.xml><?xml version="1.0" encoding="utf-8"?>
+<file path=ppt/slides/slide7.xml><?xml version="1.0" encoding="utf-8"?>
 <p:sld xmlns:a="http://schemas.openxmlformats.org/drawingml/2006/main" xmlns:r="http://schemas.openxmlformats.org/officeDocument/2006/relationships" xmlns:p="http://schemas.openxmlformats.org/presentationml/2006/main">
   <p:cSld>
     <p:spTree>
@@ -7992,10 +8468,17 @@
   <p:clrMapOvr>
     <a:masterClrMapping/>
   </p:clrMapOvr>
+  <p:timing>
+    <p:tnLst>
+      <p:par>
+        <p:cTn id="1" dur="indefinite" restart="never" nodeType="tmRoot"/>
+      </p:par>
+    </p:tnLst>
+  </p:timing>
 </p:sld>
 </file>
 
-<file path=ppt/slides/slide7.xml><?xml version="1.0" encoding="utf-8"?>
+<file path=ppt/slides/slide8.xml><?xml version="1.0" encoding="utf-8"?>
 <p:sld xmlns:a="http://schemas.openxmlformats.org/drawingml/2006/main" xmlns:r="http://schemas.openxmlformats.org/officeDocument/2006/relationships" xmlns:p="http://schemas.openxmlformats.org/presentationml/2006/main">
   <p:cSld>
     <p:spTree>
@@ -8172,7 +8655,7 @@
 </p:sld>
 </file>
 
-<file path=ppt/slides/slide8.xml><?xml version="1.0" encoding="utf-8"?>
+<file path=ppt/slides/slide9.xml><?xml version="1.0" encoding="utf-8"?>
 <p:sld xmlns:a="http://schemas.openxmlformats.org/drawingml/2006/main" xmlns:r="http://schemas.openxmlformats.org/officeDocument/2006/relationships" xmlns:p="http://schemas.openxmlformats.org/presentationml/2006/main">
   <p:cSld>
     <p:spTree>
@@ -8407,119 +8890,6 @@
     <p:extLst>
       <p:ext uri="{BB962C8B-B14F-4D97-AF65-F5344CB8AC3E}">
         <p14:creationId xmlns:p14="http://schemas.microsoft.com/office/powerpoint/2010/main" val="1854827256"/>
-      </p:ext>
-    </p:extLst>
-  </p:cSld>
-  <p:clrMapOvr>
-    <a:masterClrMapping/>
-  </p:clrMapOvr>
-</p:sld>
-</file>
-
-<file path=ppt/slides/slide9.xml><?xml version="1.0" encoding="utf-8"?>
-<p:sld xmlns:a="http://schemas.openxmlformats.org/drawingml/2006/main" xmlns:r="http://schemas.openxmlformats.org/officeDocument/2006/relationships" xmlns:p="http://schemas.openxmlformats.org/presentationml/2006/main">
-  <p:cSld>
-    <p:spTree>
-      <p:nvGrpSpPr>
-        <p:cNvPr id="1" name=""/>
-        <p:cNvGrpSpPr/>
-        <p:nvPr/>
-      </p:nvGrpSpPr>
-      <p:grpSpPr>
-        <a:xfrm>
-          <a:off x="0" y="0"/>
-          <a:ext cx="0" cy="0"/>
-          <a:chOff x="0" y="0"/>
-          <a:chExt cx="0" cy="0"/>
-        </a:xfrm>
-      </p:grpSpPr>
-      <p:sp>
-        <p:nvSpPr>
-          <p:cNvPr id="2" name="标题 1"/>
-          <p:cNvSpPr>
-            <a:spLocks noGrp="1"/>
-          </p:cNvSpPr>
-          <p:nvPr>
-            <p:ph type="title"/>
-          </p:nvPr>
-        </p:nvSpPr>
-        <p:spPr/>
-        <p:txBody>
-          <a:bodyPr/>
-          <a:lstStyle/>
-          <a:p>
-            <a:endParaRPr lang="zh-CN" altLang="en-US"/>
-          </a:p>
-        </p:txBody>
-      </p:sp>
-      <p:pic>
-        <p:nvPicPr>
-          <p:cNvPr id="2050" name="Picture 2"/>
-          <p:cNvPicPr>
-            <a:picLocks noChangeAspect="1" noChangeArrowheads="1"/>
-          </p:cNvPicPr>
-          <p:nvPr/>
-        </p:nvPicPr>
-        <p:blipFill>
-          <a:blip r:embed="rId2">
-            <a:extLst>
-              <a:ext uri="{28A0092B-C50C-407E-A947-70E740481C1C}">
-                <a14:useLocalDpi xmlns:a14="http://schemas.microsoft.com/office/drawing/2010/main" val="0"/>
-              </a:ext>
-            </a:extLst>
-          </a:blip>
-          <a:srcRect/>
-          <a:stretch>
-            <a:fillRect/>
-          </a:stretch>
-        </p:blipFill>
-        <p:spPr bwMode="auto">
-          <a:xfrm>
-            <a:off x="71500" y="375506"/>
-            <a:ext cx="6191250" cy="4619625"/>
-          </a:xfrm>
-          <a:prstGeom prst="rect">
-            <a:avLst/>
-          </a:prstGeom>
-          <a:noFill/>
-          <a:ln>
-            <a:noFill/>
-          </a:ln>
-          <a:effectLst/>
-          <a:extLst>
-            <a:ext uri="{909E8E84-426E-40DD-AFC4-6F175D3DCCD1}">
-              <a14:hiddenFill xmlns:a14="http://schemas.microsoft.com/office/drawing/2010/main">
-                <a:solidFill>
-                  <a:schemeClr val="accent1"/>
-                </a:solidFill>
-              </a14:hiddenFill>
-            </a:ext>
-            <a:ext uri="{91240B29-F687-4F45-9708-019B960494DF}">
-              <a14:hiddenLine xmlns:a14="http://schemas.microsoft.com/office/drawing/2010/main" w="9525">
-                <a:solidFill>
-                  <a:schemeClr val="tx1"/>
-                </a:solidFill>
-                <a:miter lim="800000"/>
-                <a:headEnd/>
-                <a:tailEnd/>
-              </a14:hiddenLine>
-            </a:ext>
-            <a:ext uri="{AF507438-7753-43E0-B8FC-AC1667EBCBE1}">
-              <a14:hiddenEffects xmlns:a14="http://schemas.microsoft.com/office/drawing/2010/main">
-                <a:effectLst>
-                  <a:outerShdw dist="35921" dir="2700000" algn="ctr" rotWithShape="0">
-                    <a:schemeClr val="bg2"/>
-                  </a:outerShdw>
-                </a:effectLst>
-              </a14:hiddenEffects>
-            </a:ext>
-          </a:extLst>
-        </p:spPr>
-      </p:pic>
-    </p:spTree>
-    <p:extLst>
-      <p:ext uri="{BB962C8B-B14F-4D97-AF65-F5344CB8AC3E}">
-        <p14:creationId xmlns:p14="http://schemas.microsoft.com/office/powerpoint/2010/main" val="4176187032"/>
       </p:ext>
     </p:extLst>
   </p:cSld>
